--- a/CSE2010 Advanced C programming/Reference Materials/22_1_command line arguments, Environmental variables, Type qualifiers, Debugging.pptx
+++ b/CSE2010 Advanced C programming/Reference Materials/22_1_command line arguments, Environmental variables, Type qualifiers, Debugging.pptx
@@ -118,6 +118,22 @@
       </a:defRPr>
     </a:lvl9pPr>
   </p:defaultTextStyle>
+  <p:extLst>
+    <p:ext uri="{EFAFB233-063F-42B5-8137-9DF3F51BA10A}">
+      <p15:sldGuideLst xmlns:p15="http://schemas.microsoft.com/office/powerpoint/2012/main">
+        <p15:guide id="1" orient="horz" pos="2160">
+          <p15:clr>
+            <a:srgbClr val="A4A3A4"/>
+          </p15:clr>
+        </p15:guide>
+        <p15:guide id="2" pos="2880">
+          <p15:clr>
+            <a:srgbClr val="A4A3A4"/>
+          </p15:clr>
+        </p15:guide>
+      </p15:sldGuideLst>
+    </p:ext>
+  </p:extLst>
 </p:presentation>
 </file>
 
@@ -159,7 +175,7 @@
           <a:lstStyle/>
           <a:p>
             <a:r>
-              <a:rPr lang="en-US" smtClean="0"/>
+              <a:rPr lang="en-US"/>
               <a:t>Click to edit Master title style</a:t>
             </a:r>
             <a:endParaRPr lang="en-IN"/>
@@ -278,7 +294,7 @@
           </a:lstStyle>
           <a:p>
             <a:r>
-              <a:rPr lang="en-US" smtClean="0"/>
+              <a:rPr lang="en-US"/>
               <a:t>Click to edit Master subtitle style</a:t>
             </a:r>
             <a:endParaRPr lang="en-IN"/>
@@ -302,7 +318,7 @@
           <a:p>
             <a:fld id="{02943396-0356-46F5-A8EE-5F67E8192C0C}" type="datetimeFigureOut">
               <a:rPr lang="en-IN" smtClean="0"/>
-              <a:t>27-04-2021</a:t>
+              <a:t>01-06-2021</a:t>
             </a:fld>
             <a:endParaRPr lang="en-IN"/>
           </a:p>
@@ -396,7 +412,7 @@
           <a:lstStyle/>
           <a:p>
             <a:r>
-              <a:rPr lang="en-US" smtClean="0"/>
+              <a:rPr lang="en-US"/>
               <a:t>Click to edit Master title style</a:t>
             </a:r>
             <a:endParaRPr lang="en-IN"/>
@@ -420,35 +436,35 @@
           <a:p>
             <a:pPr lvl="0"/>
             <a:r>
-              <a:rPr lang="en-US" smtClean="0"/>
+              <a:rPr lang="en-US"/>
               <a:t>Click to edit Master text styles</a:t>
             </a:r>
           </a:p>
           <a:p>
             <a:pPr lvl="1"/>
             <a:r>
-              <a:rPr lang="en-US" smtClean="0"/>
+              <a:rPr lang="en-US"/>
               <a:t>Second level</a:t>
             </a:r>
           </a:p>
           <a:p>
             <a:pPr lvl="2"/>
             <a:r>
-              <a:rPr lang="en-US" smtClean="0"/>
+              <a:rPr lang="en-US"/>
               <a:t>Third level</a:t>
             </a:r>
           </a:p>
           <a:p>
             <a:pPr lvl="3"/>
             <a:r>
-              <a:rPr lang="en-US" smtClean="0"/>
+              <a:rPr lang="en-US"/>
               <a:t>Fourth level</a:t>
             </a:r>
           </a:p>
           <a:p>
             <a:pPr lvl="4"/>
             <a:r>
-              <a:rPr lang="en-US" smtClean="0"/>
+              <a:rPr lang="en-US"/>
               <a:t>Fifth level</a:t>
             </a:r>
             <a:endParaRPr lang="en-IN"/>
@@ -472,7 +488,7 @@
           <a:p>
             <a:fld id="{02943396-0356-46F5-A8EE-5F67E8192C0C}" type="datetimeFigureOut">
               <a:rPr lang="en-IN" smtClean="0"/>
-              <a:t>27-04-2021</a:t>
+              <a:t>01-06-2021</a:t>
             </a:fld>
             <a:endParaRPr lang="en-IN"/>
           </a:p>
@@ -571,7 +587,7 @@
           <a:lstStyle/>
           <a:p>
             <a:r>
-              <a:rPr lang="en-US" smtClean="0"/>
+              <a:rPr lang="en-US"/>
               <a:t>Click to edit Master title style</a:t>
             </a:r>
             <a:endParaRPr lang="en-IN"/>
@@ -600,35 +616,35 @@
           <a:p>
             <a:pPr lvl="0"/>
             <a:r>
-              <a:rPr lang="en-US" smtClean="0"/>
+              <a:rPr lang="en-US"/>
               <a:t>Click to edit Master text styles</a:t>
             </a:r>
           </a:p>
           <a:p>
             <a:pPr lvl="1"/>
             <a:r>
-              <a:rPr lang="en-US" smtClean="0"/>
+              <a:rPr lang="en-US"/>
               <a:t>Second level</a:t>
             </a:r>
           </a:p>
           <a:p>
             <a:pPr lvl="2"/>
             <a:r>
-              <a:rPr lang="en-US" smtClean="0"/>
+              <a:rPr lang="en-US"/>
               <a:t>Third level</a:t>
             </a:r>
           </a:p>
           <a:p>
             <a:pPr lvl="3"/>
             <a:r>
-              <a:rPr lang="en-US" smtClean="0"/>
+              <a:rPr lang="en-US"/>
               <a:t>Fourth level</a:t>
             </a:r>
           </a:p>
           <a:p>
             <a:pPr lvl="4"/>
             <a:r>
-              <a:rPr lang="en-US" smtClean="0"/>
+              <a:rPr lang="en-US"/>
               <a:t>Fifth level</a:t>
             </a:r>
             <a:endParaRPr lang="en-IN"/>
@@ -652,7 +668,7 @@
           <a:p>
             <a:fld id="{02943396-0356-46F5-A8EE-5F67E8192C0C}" type="datetimeFigureOut">
               <a:rPr lang="en-IN" smtClean="0"/>
-              <a:t>27-04-2021</a:t>
+              <a:t>01-06-2021</a:t>
             </a:fld>
             <a:endParaRPr lang="en-IN"/>
           </a:p>
@@ -746,7 +762,7 @@
           <a:lstStyle/>
           <a:p>
             <a:r>
-              <a:rPr lang="en-US" smtClean="0"/>
+              <a:rPr lang="en-US"/>
               <a:t>Click to edit Master title style</a:t>
             </a:r>
             <a:endParaRPr lang="en-IN"/>
@@ -770,35 +786,35 @@
           <a:p>
             <a:pPr lvl="0"/>
             <a:r>
-              <a:rPr lang="en-US" smtClean="0"/>
+              <a:rPr lang="en-US"/>
               <a:t>Click to edit Master text styles</a:t>
             </a:r>
           </a:p>
           <a:p>
             <a:pPr lvl="1"/>
             <a:r>
-              <a:rPr lang="en-US" smtClean="0"/>
+              <a:rPr lang="en-US"/>
               <a:t>Second level</a:t>
             </a:r>
           </a:p>
           <a:p>
             <a:pPr lvl="2"/>
             <a:r>
-              <a:rPr lang="en-US" smtClean="0"/>
+              <a:rPr lang="en-US"/>
               <a:t>Third level</a:t>
             </a:r>
           </a:p>
           <a:p>
             <a:pPr lvl="3"/>
             <a:r>
-              <a:rPr lang="en-US" smtClean="0"/>
+              <a:rPr lang="en-US"/>
               <a:t>Fourth level</a:t>
             </a:r>
           </a:p>
           <a:p>
             <a:pPr lvl="4"/>
             <a:r>
-              <a:rPr lang="en-US" smtClean="0"/>
+              <a:rPr lang="en-US"/>
               <a:t>Fifth level</a:t>
             </a:r>
             <a:endParaRPr lang="en-IN"/>
@@ -822,7 +838,7 @@
           <a:p>
             <a:fld id="{02943396-0356-46F5-A8EE-5F67E8192C0C}" type="datetimeFigureOut">
               <a:rPr lang="en-IN" smtClean="0"/>
-              <a:t>27-04-2021</a:t>
+              <a:t>01-06-2021</a:t>
             </a:fld>
             <a:endParaRPr lang="en-IN"/>
           </a:p>
@@ -925,7 +941,7 @@
           </a:lstStyle>
           <a:p>
             <a:r>
-              <a:rPr lang="en-US" smtClean="0"/>
+              <a:rPr lang="en-US"/>
               <a:t>Click to edit Master title style</a:t>
             </a:r>
             <a:endParaRPr lang="en-IN"/>
@@ -1045,7 +1061,7 @@
           <a:p>
             <a:pPr lvl="0"/>
             <a:r>
-              <a:rPr lang="en-US" smtClean="0"/>
+              <a:rPr lang="en-US"/>
               <a:t>Click to edit Master text styles</a:t>
             </a:r>
           </a:p>
@@ -1068,7 +1084,7 @@
           <a:p>
             <a:fld id="{02943396-0356-46F5-A8EE-5F67E8192C0C}" type="datetimeFigureOut">
               <a:rPr lang="en-IN" smtClean="0"/>
-              <a:t>27-04-2021</a:t>
+              <a:t>01-06-2021</a:t>
             </a:fld>
             <a:endParaRPr lang="en-IN"/>
           </a:p>
@@ -1162,7 +1178,7 @@
           <a:lstStyle/>
           <a:p>
             <a:r>
-              <a:rPr lang="en-US" smtClean="0"/>
+              <a:rPr lang="en-US"/>
               <a:t>Click to edit Master title style</a:t>
             </a:r>
             <a:endParaRPr lang="en-IN"/>
@@ -1219,35 +1235,35 @@
           <a:p>
             <a:pPr lvl="0"/>
             <a:r>
-              <a:rPr lang="en-US" smtClean="0"/>
+              <a:rPr lang="en-US"/>
               <a:t>Click to edit Master text styles</a:t>
             </a:r>
           </a:p>
           <a:p>
             <a:pPr lvl="1"/>
             <a:r>
-              <a:rPr lang="en-US" smtClean="0"/>
+              <a:rPr lang="en-US"/>
               <a:t>Second level</a:t>
             </a:r>
           </a:p>
           <a:p>
             <a:pPr lvl="2"/>
             <a:r>
-              <a:rPr lang="en-US" smtClean="0"/>
+              <a:rPr lang="en-US"/>
               <a:t>Third level</a:t>
             </a:r>
           </a:p>
           <a:p>
             <a:pPr lvl="3"/>
             <a:r>
-              <a:rPr lang="en-US" smtClean="0"/>
+              <a:rPr lang="en-US"/>
               <a:t>Fourth level</a:t>
             </a:r>
           </a:p>
           <a:p>
             <a:pPr lvl="4"/>
             <a:r>
-              <a:rPr lang="en-US" smtClean="0"/>
+              <a:rPr lang="en-US"/>
               <a:t>Fifth level</a:t>
             </a:r>
             <a:endParaRPr lang="en-IN"/>
@@ -1304,35 +1320,35 @@
           <a:p>
             <a:pPr lvl="0"/>
             <a:r>
-              <a:rPr lang="en-US" smtClean="0"/>
+              <a:rPr lang="en-US"/>
               <a:t>Click to edit Master text styles</a:t>
             </a:r>
           </a:p>
           <a:p>
             <a:pPr lvl="1"/>
             <a:r>
-              <a:rPr lang="en-US" smtClean="0"/>
+              <a:rPr lang="en-US"/>
               <a:t>Second level</a:t>
             </a:r>
           </a:p>
           <a:p>
             <a:pPr lvl="2"/>
             <a:r>
-              <a:rPr lang="en-US" smtClean="0"/>
+              <a:rPr lang="en-US"/>
               <a:t>Third level</a:t>
             </a:r>
           </a:p>
           <a:p>
             <a:pPr lvl="3"/>
             <a:r>
-              <a:rPr lang="en-US" smtClean="0"/>
+              <a:rPr lang="en-US"/>
               <a:t>Fourth level</a:t>
             </a:r>
           </a:p>
           <a:p>
             <a:pPr lvl="4"/>
             <a:r>
-              <a:rPr lang="en-US" smtClean="0"/>
+              <a:rPr lang="en-US"/>
               <a:t>Fifth level</a:t>
             </a:r>
             <a:endParaRPr lang="en-IN"/>
@@ -1356,7 +1372,7 @@
           <a:p>
             <a:fld id="{02943396-0356-46F5-A8EE-5F67E8192C0C}" type="datetimeFigureOut">
               <a:rPr lang="en-IN" smtClean="0"/>
-              <a:t>27-04-2021</a:t>
+              <a:t>01-06-2021</a:t>
             </a:fld>
             <a:endParaRPr lang="en-IN"/>
           </a:p>
@@ -1454,7 +1470,7 @@
           </a:lstStyle>
           <a:p>
             <a:r>
-              <a:rPr lang="en-US" smtClean="0"/>
+              <a:rPr lang="en-US"/>
               <a:t>Click to edit Master title style</a:t>
             </a:r>
             <a:endParaRPr lang="en-IN"/>
@@ -1520,7 +1536,7 @@
           <a:p>
             <a:pPr lvl="0"/>
             <a:r>
-              <a:rPr lang="en-US" smtClean="0"/>
+              <a:rPr lang="en-US"/>
               <a:t>Click to edit Master text styles</a:t>
             </a:r>
           </a:p>
@@ -1576,35 +1592,35 @@
           <a:p>
             <a:pPr lvl="0"/>
             <a:r>
-              <a:rPr lang="en-US" smtClean="0"/>
+              <a:rPr lang="en-US"/>
               <a:t>Click to edit Master text styles</a:t>
             </a:r>
           </a:p>
           <a:p>
             <a:pPr lvl="1"/>
             <a:r>
-              <a:rPr lang="en-US" smtClean="0"/>
+              <a:rPr lang="en-US"/>
               <a:t>Second level</a:t>
             </a:r>
           </a:p>
           <a:p>
             <a:pPr lvl="2"/>
             <a:r>
-              <a:rPr lang="en-US" smtClean="0"/>
+              <a:rPr lang="en-US"/>
               <a:t>Third level</a:t>
             </a:r>
           </a:p>
           <a:p>
             <a:pPr lvl="3"/>
             <a:r>
-              <a:rPr lang="en-US" smtClean="0"/>
+              <a:rPr lang="en-US"/>
               <a:t>Fourth level</a:t>
             </a:r>
           </a:p>
           <a:p>
             <a:pPr lvl="4"/>
             <a:r>
-              <a:rPr lang="en-US" smtClean="0"/>
+              <a:rPr lang="en-US"/>
               <a:t>Fifth level</a:t>
             </a:r>
             <a:endParaRPr lang="en-IN"/>
@@ -1670,7 +1686,7 @@
           <a:p>
             <a:pPr lvl="0"/>
             <a:r>
-              <a:rPr lang="en-US" smtClean="0"/>
+              <a:rPr lang="en-US"/>
               <a:t>Click to edit Master text styles</a:t>
             </a:r>
           </a:p>
@@ -1726,35 +1742,35 @@
           <a:p>
             <a:pPr lvl="0"/>
             <a:r>
-              <a:rPr lang="en-US" smtClean="0"/>
+              <a:rPr lang="en-US"/>
               <a:t>Click to edit Master text styles</a:t>
             </a:r>
           </a:p>
           <a:p>
             <a:pPr lvl="1"/>
             <a:r>
-              <a:rPr lang="en-US" smtClean="0"/>
+              <a:rPr lang="en-US"/>
               <a:t>Second level</a:t>
             </a:r>
           </a:p>
           <a:p>
             <a:pPr lvl="2"/>
             <a:r>
-              <a:rPr lang="en-US" smtClean="0"/>
+              <a:rPr lang="en-US"/>
               <a:t>Third level</a:t>
             </a:r>
           </a:p>
           <a:p>
             <a:pPr lvl="3"/>
             <a:r>
-              <a:rPr lang="en-US" smtClean="0"/>
+              <a:rPr lang="en-US"/>
               <a:t>Fourth level</a:t>
             </a:r>
           </a:p>
           <a:p>
             <a:pPr lvl="4"/>
             <a:r>
-              <a:rPr lang="en-US" smtClean="0"/>
+              <a:rPr lang="en-US"/>
               <a:t>Fifth level</a:t>
             </a:r>
             <a:endParaRPr lang="en-IN"/>
@@ -1778,7 +1794,7 @@
           <a:p>
             <a:fld id="{02943396-0356-46F5-A8EE-5F67E8192C0C}" type="datetimeFigureOut">
               <a:rPr lang="en-IN" smtClean="0"/>
-              <a:t>27-04-2021</a:t>
+              <a:t>01-06-2021</a:t>
             </a:fld>
             <a:endParaRPr lang="en-IN"/>
           </a:p>
@@ -1872,7 +1888,7 @@
           <a:lstStyle/>
           <a:p>
             <a:r>
-              <a:rPr lang="en-US" smtClean="0"/>
+              <a:rPr lang="en-US"/>
               <a:t>Click to edit Master title style</a:t>
             </a:r>
             <a:endParaRPr lang="en-IN"/>
@@ -1896,7 +1912,7 @@
           <a:p>
             <a:fld id="{02943396-0356-46F5-A8EE-5F67E8192C0C}" type="datetimeFigureOut">
               <a:rPr lang="en-IN" smtClean="0"/>
-              <a:t>27-04-2021</a:t>
+              <a:t>01-06-2021</a:t>
             </a:fld>
             <a:endParaRPr lang="en-IN"/>
           </a:p>
@@ -1991,7 +2007,7 @@
           <a:p>
             <a:fld id="{02943396-0356-46F5-A8EE-5F67E8192C0C}" type="datetimeFigureOut">
               <a:rPr lang="en-IN" smtClean="0"/>
-              <a:t>27-04-2021</a:t>
+              <a:t>01-06-2021</a:t>
             </a:fld>
             <a:endParaRPr lang="en-IN"/>
           </a:p>
@@ -2094,7 +2110,7 @@
           </a:lstStyle>
           <a:p>
             <a:r>
-              <a:rPr lang="en-US" smtClean="0"/>
+              <a:rPr lang="en-US"/>
               <a:t>Click to edit Master title style</a:t>
             </a:r>
             <a:endParaRPr lang="en-IN"/>
@@ -2151,35 +2167,35 @@
           <a:p>
             <a:pPr lvl="0"/>
             <a:r>
-              <a:rPr lang="en-US" smtClean="0"/>
+              <a:rPr lang="en-US"/>
               <a:t>Click to edit Master text styles</a:t>
             </a:r>
           </a:p>
           <a:p>
             <a:pPr lvl="1"/>
             <a:r>
-              <a:rPr lang="en-US" smtClean="0"/>
+              <a:rPr lang="en-US"/>
               <a:t>Second level</a:t>
             </a:r>
           </a:p>
           <a:p>
             <a:pPr lvl="2"/>
             <a:r>
-              <a:rPr lang="en-US" smtClean="0"/>
+              <a:rPr lang="en-US"/>
               <a:t>Third level</a:t>
             </a:r>
           </a:p>
           <a:p>
             <a:pPr lvl="3"/>
             <a:r>
-              <a:rPr lang="en-US" smtClean="0"/>
+              <a:rPr lang="en-US"/>
               <a:t>Fourth level</a:t>
             </a:r>
           </a:p>
           <a:p>
             <a:pPr lvl="4"/>
             <a:r>
-              <a:rPr lang="en-US" smtClean="0"/>
+              <a:rPr lang="en-US"/>
               <a:t>Fifth level</a:t>
             </a:r>
             <a:endParaRPr lang="en-IN"/>
@@ -2245,7 +2261,7 @@
           <a:p>
             <a:pPr lvl="0"/>
             <a:r>
-              <a:rPr lang="en-US" smtClean="0"/>
+              <a:rPr lang="en-US"/>
               <a:t>Click to edit Master text styles</a:t>
             </a:r>
           </a:p>
@@ -2268,7 +2284,7 @@
           <a:p>
             <a:fld id="{02943396-0356-46F5-A8EE-5F67E8192C0C}" type="datetimeFigureOut">
               <a:rPr lang="en-IN" smtClean="0"/>
-              <a:t>27-04-2021</a:t>
+              <a:t>01-06-2021</a:t>
             </a:fld>
             <a:endParaRPr lang="en-IN"/>
           </a:p>
@@ -2371,7 +2387,7 @@
           </a:lstStyle>
           <a:p>
             <a:r>
-              <a:rPr lang="en-US" smtClean="0"/>
+              <a:rPr lang="en-US"/>
               <a:t>Click to edit Master title style</a:t>
             </a:r>
             <a:endParaRPr lang="en-IN"/>
@@ -2498,7 +2514,7 @@
           <a:p>
             <a:pPr lvl="0"/>
             <a:r>
-              <a:rPr lang="en-US" smtClean="0"/>
+              <a:rPr lang="en-US"/>
               <a:t>Click to edit Master text styles</a:t>
             </a:r>
           </a:p>
@@ -2521,7 +2537,7 @@
           <a:p>
             <a:fld id="{02943396-0356-46F5-A8EE-5F67E8192C0C}" type="datetimeFigureOut">
               <a:rPr lang="en-IN" smtClean="0"/>
-              <a:t>27-04-2021</a:t>
+              <a:t>01-06-2021</a:t>
             </a:fld>
             <a:endParaRPr lang="en-IN"/>
           </a:p>
@@ -2630,7 +2646,7 @@
           <a:lstStyle/>
           <a:p>
             <a:r>
-              <a:rPr lang="en-US" smtClean="0"/>
+              <a:rPr lang="en-US"/>
               <a:t>Click to edit Master title style</a:t>
             </a:r>
             <a:endParaRPr lang="en-IN"/>
@@ -2664,35 +2680,35 @@
           <a:p>
             <a:pPr lvl="0"/>
             <a:r>
-              <a:rPr lang="en-US" smtClean="0"/>
+              <a:rPr lang="en-US"/>
               <a:t>Click to edit Master text styles</a:t>
             </a:r>
           </a:p>
           <a:p>
             <a:pPr lvl="1"/>
             <a:r>
-              <a:rPr lang="en-US" smtClean="0"/>
+              <a:rPr lang="en-US"/>
               <a:t>Second level</a:t>
             </a:r>
           </a:p>
           <a:p>
             <a:pPr lvl="2"/>
             <a:r>
-              <a:rPr lang="en-US" smtClean="0"/>
+              <a:rPr lang="en-US"/>
               <a:t>Third level</a:t>
             </a:r>
           </a:p>
           <a:p>
             <a:pPr lvl="3"/>
             <a:r>
-              <a:rPr lang="en-US" smtClean="0"/>
+              <a:rPr lang="en-US"/>
               <a:t>Fourth level</a:t>
             </a:r>
           </a:p>
           <a:p>
             <a:pPr lvl="4"/>
             <a:r>
-              <a:rPr lang="en-US" smtClean="0"/>
+              <a:rPr lang="en-US"/>
               <a:t>Fifth level</a:t>
             </a:r>
             <a:endParaRPr lang="en-IN"/>
@@ -2734,7 +2750,7 @@
           <a:p>
             <a:fld id="{02943396-0356-46F5-A8EE-5F67E8192C0C}" type="datetimeFigureOut">
               <a:rPr lang="en-IN" smtClean="0"/>
-              <a:t>27-04-2021</a:t>
+              <a:t>01-06-2021</a:t>
             </a:fld>
             <a:endParaRPr lang="en-IN"/>
           </a:p>
@@ -3135,20 +3151,10 @@
                   </a:solidFill>
                 </a:ln>
               </a:rPr>
-              <a:t>Command line </a:t>
-            </a:r>
-            <a:r>
-              <a:rPr lang="en-IN" dirty="0" smtClean="0">
-                <a:ln>
-                  <a:solidFill>
-                    <a:srgbClr val="C00000"/>
-                  </a:solidFill>
-                </a:ln>
-              </a:rPr>
-              <a:t>arguments</a:t>
+              <a:t>Command line arguments</a:t>
             </a:r>
             <a:br>
-              <a:rPr lang="en-IN" dirty="0" smtClean="0">
+              <a:rPr lang="en-IN" dirty="0">
                 <a:ln>
                   <a:solidFill>
                     <a:srgbClr val="C00000"/>
@@ -3156,18 +3162,8 @@
                 </a:ln>
               </a:rPr>
             </a:br>
-            <a:r>
-              <a:rPr lang="en-IN" dirty="0" smtClean="0">
-                <a:ln>
-                  <a:solidFill>
-                    <a:srgbClr val="C00000"/>
-                  </a:solidFill>
-                </a:ln>
-              </a:rPr>
-              <a:t/>
-            </a:r>
             <a:br>
-              <a:rPr lang="en-IN" dirty="0" smtClean="0">
+              <a:rPr lang="en-IN" dirty="0">
                 <a:ln>
                   <a:solidFill>
                     <a:srgbClr val="C00000"/>
@@ -3260,7 +3256,7 @@
           <a:lstStyle/>
           <a:p>
             <a:r>
-              <a:rPr lang="en-US" dirty="0" smtClean="0"/>
+              <a:rPr lang="en-US" dirty="0"/>
               <a:t>Environment Variables in C</a:t>
             </a:r>
             <a:endParaRPr lang="en-IN" dirty="0"/>
@@ -3305,48 +3301,36 @@
           <a:p>
             <a:pPr algn="just" fontAlgn="base"/>
             <a:r>
-              <a:rPr lang="en-US" sz="2800" dirty="0" smtClean="0"/>
-              <a:t>There </a:t>
-            </a:r>
-            <a:r>
               <a:rPr lang="en-US" sz="2800" dirty="0"/>
-              <a:t>are 3 </a:t>
-            </a:r>
-            <a:r>
-              <a:rPr lang="en-US" sz="2800" dirty="0" smtClean="0"/>
-              <a:t>inbuilt functions </a:t>
-            </a:r>
-            <a:r>
-              <a:rPr lang="en-US" sz="2800" dirty="0"/>
-              <a:t>which are used to access, modify and assign an environment variable in C. They are,</a:t>
+              <a:t>There are 3 inbuilt functions which are used to access, modify and assign an environment variable in C. They are,</a:t>
             </a:r>
           </a:p>
           <a:p>
             <a:pPr marL="857250" lvl="1" indent="-457200" algn="just" fontAlgn="base"/>
             <a:r>
-              <a:rPr lang="en-US" dirty="0" err="1" smtClean="0"/>
+              <a:rPr lang="en-US" dirty="0" err="1"/>
               <a:t>setenv</a:t>
             </a:r>
             <a:r>
-              <a:rPr lang="en-US" dirty="0" smtClean="0"/>
+              <a:rPr lang="en-US" dirty="0"/>
               <a:t>()</a:t>
             </a:r>
           </a:p>
           <a:p>
             <a:pPr marL="857250" lvl="1" indent="-457200" algn="just" fontAlgn="base"/>
             <a:r>
-              <a:rPr lang="en-US" dirty="0" err="1" smtClean="0"/>
+              <a:rPr lang="en-US" dirty="0" err="1"/>
               <a:t>getenv</a:t>
             </a:r>
             <a:r>
-              <a:rPr lang="en-US" dirty="0" smtClean="0"/>
+              <a:rPr lang="en-US" dirty="0"/>
               <a:t>()</a:t>
             </a:r>
           </a:p>
           <a:p>
             <a:pPr marL="857250" lvl="1" indent="-457200" algn="just" fontAlgn="base"/>
             <a:r>
-              <a:rPr lang="en-US" dirty="0" err="1" smtClean="0"/>
+              <a:rPr lang="en-US" dirty="0" err="1"/>
               <a:t>putenv</a:t>
             </a:r>
             <a:r>
@@ -3406,7 +3390,7 @@
           <a:lstStyle/>
           <a:p>
             <a:r>
-              <a:rPr lang="en-US" dirty="0" smtClean="0"/>
+              <a:rPr lang="en-US" dirty="0"/>
               <a:t>Example 1</a:t>
             </a:r>
             <a:endParaRPr lang="en-IN" dirty="0"/>
@@ -3434,15 +3418,15 @@
               <a:buNone/>
             </a:pPr>
             <a:r>
-              <a:rPr lang="en-IN" sz="2800" dirty="0" smtClean="0"/>
+              <a:rPr lang="en-IN" sz="2800" dirty="0"/>
               <a:t>#include&lt;</a:t>
             </a:r>
             <a:r>
-              <a:rPr lang="en-IN" sz="2800" dirty="0" err="1" smtClean="0"/>
+              <a:rPr lang="en-IN" sz="2800" dirty="0" err="1"/>
               <a:t>stdio.h</a:t>
             </a:r>
             <a:r>
-              <a:rPr lang="en-IN" sz="2800" dirty="0" smtClean="0"/>
+              <a:rPr lang="en-IN" sz="2800" dirty="0"/>
               <a:t>&gt;</a:t>
             </a:r>
           </a:p>
@@ -3451,39 +3435,39 @@
               <a:buNone/>
             </a:pPr>
             <a:r>
-              <a:rPr lang="en-IN" sz="2800" dirty="0" smtClean="0"/>
+              <a:rPr lang="en-IN" sz="2800" dirty="0"/>
               <a:t>void main(</a:t>
             </a:r>
             <a:r>
-              <a:rPr lang="en-IN" sz="2800" dirty="0" err="1" smtClean="0"/>
+              <a:rPr lang="en-IN" sz="2800" dirty="0" err="1"/>
               <a:t>int</a:t>
             </a:r>
             <a:r>
-              <a:rPr lang="en-IN" sz="2800" dirty="0" smtClean="0"/>
+              <a:rPr lang="en-IN" sz="2800" dirty="0"/>
               <a:t> </a:t>
             </a:r>
             <a:r>
-              <a:rPr lang="en-IN" sz="2800" dirty="0" err="1" smtClean="0"/>
+              <a:rPr lang="en-IN" sz="2800" dirty="0" err="1"/>
               <a:t>argc</a:t>
             </a:r>
             <a:r>
-              <a:rPr lang="en-IN" sz="2800" dirty="0" smtClean="0"/>
+              <a:rPr lang="en-IN" sz="2800" dirty="0"/>
               <a:t>, char *</a:t>
             </a:r>
             <a:r>
-              <a:rPr lang="en-IN" sz="2800" dirty="0" err="1" smtClean="0"/>
+              <a:rPr lang="en-IN" sz="2800" dirty="0" err="1"/>
               <a:t>argv</a:t>
             </a:r>
             <a:r>
-              <a:rPr lang="en-IN" sz="2800" dirty="0" smtClean="0"/>
+              <a:rPr lang="en-IN" sz="2800" dirty="0"/>
               <a:t>[], char *</a:t>
             </a:r>
             <a:r>
-              <a:rPr lang="en-IN" sz="2800" dirty="0" err="1" smtClean="0"/>
+              <a:rPr lang="en-IN" sz="2800" dirty="0" err="1"/>
               <a:t>envp</a:t>
             </a:r>
             <a:r>
-              <a:rPr lang="en-IN" sz="2800" dirty="0" smtClean="0"/>
+              <a:rPr lang="en-IN" sz="2800" dirty="0"/>
               <a:t>[])</a:t>
             </a:r>
           </a:p>
@@ -3492,7 +3476,7 @@
               <a:buNone/>
             </a:pPr>
             <a:r>
-              <a:rPr lang="en-IN" sz="2800" dirty="0" smtClean="0"/>
+              <a:rPr lang="en-IN" sz="2800" dirty="0"/>
               <a:t>{</a:t>
             </a:r>
           </a:p>
@@ -3501,19 +3485,19 @@
               <a:buNone/>
             </a:pPr>
             <a:r>
-              <a:rPr lang="en-IN" sz="2800" dirty="0" err="1" smtClean="0"/>
+              <a:rPr lang="en-IN" sz="2800" dirty="0" err="1"/>
               <a:t>int</a:t>
             </a:r>
             <a:r>
-              <a:rPr lang="en-IN" sz="2800" dirty="0" smtClean="0"/>
+              <a:rPr lang="en-IN" sz="2800" dirty="0"/>
               <a:t> </a:t>
             </a:r>
             <a:r>
-              <a:rPr lang="en-IN" sz="2800" dirty="0" err="1" smtClean="0"/>
+              <a:rPr lang="en-IN" sz="2800" dirty="0" err="1"/>
               <a:t>i</a:t>
             </a:r>
             <a:r>
-              <a:rPr lang="en-IN" sz="2800" dirty="0" smtClean="0"/>
+              <a:rPr lang="en-IN" sz="2800" dirty="0"/>
               <a:t>;</a:t>
             </a:r>
           </a:p>
@@ -3522,39 +3506,39 @@
               <a:buNone/>
             </a:pPr>
             <a:r>
-              <a:rPr lang="en-IN" sz="2800" dirty="0" smtClean="0"/>
+              <a:rPr lang="en-IN" sz="2800" dirty="0"/>
               <a:t>for (</a:t>
             </a:r>
             <a:r>
-              <a:rPr lang="en-IN" sz="2800" dirty="0" err="1" smtClean="0"/>
+              <a:rPr lang="en-IN" sz="2800" dirty="0" err="1"/>
               <a:t>i</a:t>
             </a:r>
             <a:r>
-              <a:rPr lang="en-IN" sz="2800" dirty="0" smtClean="0"/>
+              <a:rPr lang="en-IN" sz="2800" dirty="0"/>
               <a:t> = 0; </a:t>
             </a:r>
             <a:r>
-              <a:rPr lang="en-IN" sz="2800" dirty="0" err="1" smtClean="0"/>
+              <a:rPr lang="en-IN" sz="2800" dirty="0" err="1"/>
               <a:t>envp</a:t>
             </a:r>
             <a:r>
-              <a:rPr lang="en-IN" sz="2800" dirty="0" smtClean="0"/>
+              <a:rPr lang="en-IN" sz="2800" dirty="0"/>
               <a:t>[</a:t>
             </a:r>
             <a:r>
-              <a:rPr lang="en-IN" sz="2800" dirty="0" err="1" smtClean="0"/>
+              <a:rPr lang="en-IN" sz="2800" dirty="0" err="1"/>
               <a:t>i</a:t>
             </a:r>
             <a:r>
-              <a:rPr lang="en-IN" sz="2800" dirty="0" smtClean="0"/>
+              <a:rPr lang="en-IN" sz="2800" dirty="0"/>
               <a:t>] != NULL; </a:t>
             </a:r>
             <a:r>
-              <a:rPr lang="en-IN" sz="2800" dirty="0" err="1" smtClean="0"/>
+              <a:rPr lang="en-IN" sz="2800" dirty="0" err="1"/>
               <a:t>i</a:t>
             </a:r>
             <a:r>
-              <a:rPr lang="en-IN" sz="2800" dirty="0" smtClean="0"/>
+              <a:rPr lang="en-IN" sz="2800" dirty="0"/>
               <a:t>++)</a:t>
             </a:r>
           </a:p>
@@ -3563,7 +3547,7 @@
               <a:buNone/>
             </a:pPr>
             <a:r>
-              <a:rPr lang="en-IN" sz="2800" dirty="0" smtClean="0"/>
+              <a:rPr lang="en-IN" sz="2800" dirty="0"/>
               <a:t>{</a:t>
             </a:r>
           </a:p>
@@ -3572,35 +3556,35 @@
               <a:buNone/>
             </a:pPr>
             <a:r>
-              <a:rPr lang="en-IN" sz="2800" dirty="0" err="1" smtClean="0"/>
+              <a:rPr lang="en-IN" sz="2800" dirty="0" err="1"/>
               <a:t>printf</a:t>
             </a:r>
             <a:r>
-              <a:rPr lang="en-IN" sz="2800" dirty="0" smtClean="0"/>
+              <a:rPr lang="en-IN" sz="2800" dirty="0"/>
               <a:t>("\</a:t>
             </a:r>
             <a:r>
-              <a:rPr lang="en-IN" sz="2800" dirty="0" err="1" smtClean="0"/>
+              <a:rPr lang="en-IN" sz="2800" dirty="0" err="1"/>
               <a:t>n%s</a:t>
             </a:r>
             <a:r>
-              <a:rPr lang="en-IN" sz="2800" dirty="0" smtClean="0"/>
+              <a:rPr lang="en-IN" sz="2800" dirty="0"/>
               <a:t>", </a:t>
             </a:r>
             <a:r>
-              <a:rPr lang="en-IN" sz="2800" dirty="0" err="1" smtClean="0"/>
+              <a:rPr lang="en-IN" sz="2800" dirty="0" err="1"/>
               <a:t>envp</a:t>
             </a:r>
             <a:r>
-              <a:rPr lang="en-IN" sz="2800" dirty="0" smtClean="0"/>
+              <a:rPr lang="en-IN" sz="2800" dirty="0"/>
               <a:t>[</a:t>
             </a:r>
             <a:r>
-              <a:rPr lang="en-IN" sz="2800" dirty="0" err="1" smtClean="0"/>
+              <a:rPr lang="en-IN" sz="2800" dirty="0" err="1"/>
               <a:t>i</a:t>
             </a:r>
             <a:r>
-              <a:rPr lang="en-IN" sz="2800" dirty="0" smtClean="0"/>
+              <a:rPr lang="en-IN" sz="2800" dirty="0"/>
               <a:t>]);</a:t>
             </a:r>
           </a:p>
@@ -3609,7 +3593,7 @@
               <a:buNone/>
             </a:pPr>
             <a:r>
-              <a:rPr lang="en-IN" sz="2800" dirty="0" smtClean="0"/>
+              <a:rPr lang="en-IN" sz="2800" dirty="0"/>
               <a:t>}</a:t>
             </a:r>
           </a:p>
@@ -3618,10 +3602,9 @@
               <a:buNone/>
             </a:pPr>
             <a:r>
-              <a:rPr lang="en-IN" sz="2800" dirty="0" smtClean="0"/>
+              <a:rPr lang="en-IN" sz="2800" dirty="0"/>
               <a:t>}</a:t>
             </a:r>
-            <a:endParaRPr lang="en-IN" sz="2800" dirty="0"/>
           </a:p>
         </p:txBody>
       </p:sp>
@@ -3672,14 +3655,10 @@
           <a:p>
             <a:r>
               <a:rPr lang="en-US" dirty="0" err="1"/>
-              <a:t>g</a:t>
-            </a:r>
-            <a:r>
-              <a:rPr lang="en-US" dirty="0" err="1" smtClean="0"/>
-              <a:t>etenv</a:t>
-            </a:r>
-            <a:r>
-              <a:rPr lang="en-US" dirty="0" smtClean="0"/>
+              <a:t>getenv</a:t>
+            </a:r>
+            <a:r>
+              <a:rPr lang="en-US" dirty="0"/>
               <a:t>()</a:t>
             </a:r>
             <a:endParaRPr lang="en-IN" dirty="0"/>
@@ -3738,24 +3717,16 @@
             </a:r>
           </a:p>
           <a:p>
-            <a:endParaRPr lang="en-US" i="1" dirty="0" smtClean="0"/>
-          </a:p>
-          <a:p>
-            <a:r>
-              <a:rPr lang="en-US" i="1" dirty="0" smtClean="0">
-                <a:solidFill>
-                  <a:srgbClr val="FF0000"/>
-                </a:solidFill>
-              </a:rPr>
-              <a:t>char </a:t>
-            </a:r>
+            <a:endParaRPr lang="en-US" i="1" dirty="0"/>
+          </a:p>
+          <a:p>
             <a:r>
               <a:rPr lang="en-US" i="1" dirty="0">
                 <a:solidFill>
                   <a:srgbClr val="FF0000"/>
                 </a:solidFill>
               </a:rPr>
-              <a:t>*</a:t>
+              <a:t>char *</a:t>
             </a:r>
             <a:r>
               <a:rPr lang="en-US" dirty="0">
@@ -3803,34 +3774,26 @@
                   <a:srgbClr val="FF0000"/>
                 </a:solidFill>
               </a:rPr>
-              <a:t> char *name</a:t>
-            </a:r>
-            <a:r>
-              <a:rPr lang="en-US" i="1" dirty="0" smtClean="0">
-                <a:solidFill>
-                  <a:srgbClr val="FF0000"/>
-                </a:solidFill>
-              </a:rPr>
-              <a:t>)</a:t>
-            </a:r>
-          </a:p>
-          <a:p>
-            <a:endParaRPr lang="en-US" i="1" dirty="0" smtClean="0"/>
-          </a:p>
-          <a:p>
-            <a:pPr marL="0" indent="0">
-              <a:buNone/>
-            </a:pPr>
-            <a:r>
-              <a:rPr lang="en-IN" dirty="0" smtClean="0"/>
+              <a:t> char *name)</a:t>
+            </a:r>
+          </a:p>
+          <a:p>
+            <a:endParaRPr lang="en-US" i="1" dirty="0"/>
+          </a:p>
+          <a:p>
+            <a:pPr marL="0" indent="0">
+              <a:buNone/>
+            </a:pPr>
+            <a:r>
+              <a:rPr lang="en-IN" dirty="0"/>
               <a:t>#include &lt;</a:t>
             </a:r>
             <a:r>
-              <a:rPr lang="en-IN" dirty="0" err="1" smtClean="0"/>
+              <a:rPr lang="en-IN" dirty="0" err="1"/>
               <a:t>stdio.h</a:t>
             </a:r>
             <a:r>
-              <a:rPr lang="en-IN" dirty="0" smtClean="0"/>
+              <a:rPr lang="en-IN" dirty="0"/>
               <a:t>&gt;</a:t>
             </a:r>
           </a:p>
@@ -3839,15 +3802,15 @@
               <a:buNone/>
             </a:pPr>
             <a:r>
-              <a:rPr lang="en-IN" dirty="0" smtClean="0"/>
+              <a:rPr lang="en-IN" dirty="0"/>
               <a:t>#include &lt;</a:t>
             </a:r>
             <a:r>
-              <a:rPr lang="en-IN" dirty="0" err="1" smtClean="0"/>
+              <a:rPr lang="en-IN" dirty="0" err="1"/>
               <a:t>stdlib.h</a:t>
             </a:r>
             <a:r>
-              <a:rPr lang="en-IN" dirty="0" smtClean="0"/>
+              <a:rPr lang="en-IN" dirty="0"/>
               <a:t>&gt;</a:t>
             </a:r>
           </a:p>
@@ -3856,11 +3819,11 @@
               <a:buNone/>
             </a:pPr>
             <a:r>
-              <a:rPr lang="en-IN" dirty="0" err="1" smtClean="0"/>
+              <a:rPr lang="en-IN" dirty="0" err="1"/>
               <a:t>int</a:t>
             </a:r>
             <a:r>
-              <a:rPr lang="en-IN" dirty="0" smtClean="0"/>
+              <a:rPr lang="en-IN" dirty="0"/>
               <a:t> main () {</a:t>
             </a:r>
           </a:p>
@@ -3869,23 +3832,23 @@
               <a:buNone/>
             </a:pPr>
             <a:r>
-              <a:rPr lang="en-IN" dirty="0" smtClean="0"/>
+              <a:rPr lang="en-IN" dirty="0"/>
               <a:t>   </a:t>
             </a:r>
             <a:r>
-              <a:rPr lang="en-IN" dirty="0" err="1" smtClean="0"/>
+              <a:rPr lang="en-IN" dirty="0" err="1"/>
               <a:t>printf</a:t>
             </a:r>
             <a:r>
-              <a:rPr lang="en-IN" dirty="0" smtClean="0"/>
+              <a:rPr lang="en-IN" dirty="0"/>
               <a:t>("HOMEPATH : %s\n", </a:t>
             </a:r>
             <a:r>
-              <a:rPr lang="en-IN" dirty="0" err="1" smtClean="0"/>
+              <a:rPr lang="en-IN" dirty="0" err="1"/>
               <a:t>getenv</a:t>
             </a:r>
             <a:r>
-              <a:rPr lang="en-IN" dirty="0" smtClean="0"/>
+              <a:rPr lang="en-IN" dirty="0"/>
               <a:t>("HOMEPATH"));</a:t>
             </a:r>
           </a:p>
@@ -3894,23 +3857,23 @@
               <a:buNone/>
             </a:pPr>
             <a:r>
-              <a:rPr lang="en-IN" dirty="0" smtClean="0"/>
+              <a:rPr lang="en-IN" dirty="0"/>
               <a:t>   </a:t>
             </a:r>
             <a:r>
-              <a:rPr lang="en-IN" dirty="0" err="1" smtClean="0"/>
+              <a:rPr lang="en-IN" dirty="0" err="1"/>
               <a:t>printf</a:t>
             </a:r>
             <a:r>
-              <a:rPr lang="en-IN" dirty="0" smtClean="0"/>
+              <a:rPr lang="en-IN" dirty="0"/>
               <a:t>("HOMEDRIVE : %s\n", </a:t>
             </a:r>
             <a:r>
-              <a:rPr lang="en-IN" dirty="0" err="1" smtClean="0"/>
+              <a:rPr lang="en-IN" dirty="0" err="1"/>
               <a:t>getenv</a:t>
             </a:r>
             <a:r>
-              <a:rPr lang="en-IN" dirty="0" smtClean="0"/>
+              <a:rPr lang="en-IN" dirty="0"/>
               <a:t>("HOMEDRIVE"));</a:t>
             </a:r>
           </a:p>
@@ -3919,23 +3882,23 @@
               <a:buNone/>
             </a:pPr>
             <a:r>
-              <a:rPr lang="en-IN" dirty="0" smtClean="0"/>
+              <a:rPr lang="en-IN" dirty="0"/>
               <a:t>   </a:t>
             </a:r>
             <a:r>
-              <a:rPr lang="en-IN" dirty="0" err="1" smtClean="0"/>
+              <a:rPr lang="en-IN" dirty="0" err="1"/>
               <a:t>printf</a:t>
             </a:r>
             <a:r>
-              <a:rPr lang="en-IN" dirty="0" smtClean="0"/>
+              <a:rPr lang="en-IN" dirty="0"/>
               <a:t>("OS : %s\n", </a:t>
             </a:r>
             <a:r>
-              <a:rPr lang="en-IN" dirty="0" err="1" smtClean="0"/>
+              <a:rPr lang="en-IN" dirty="0" err="1"/>
               <a:t>getenv</a:t>
             </a:r>
             <a:r>
-              <a:rPr lang="en-IN" dirty="0" smtClean="0"/>
+              <a:rPr lang="en-IN" dirty="0"/>
               <a:t>("OS"));</a:t>
             </a:r>
           </a:p>
@@ -3943,14 +3906,14 @@
             <a:pPr marL="0" indent="0">
               <a:buNone/>
             </a:pPr>
-            <a:endParaRPr lang="en-IN" dirty="0" smtClean="0"/>
-          </a:p>
-          <a:p>
-            <a:pPr marL="0" indent="0">
-              <a:buNone/>
-            </a:pPr>
-            <a:r>
-              <a:rPr lang="en-IN" dirty="0" smtClean="0"/>
+            <a:endParaRPr lang="en-IN" dirty="0"/>
+          </a:p>
+          <a:p>
+            <a:pPr marL="0" indent="0">
+              <a:buNone/>
+            </a:pPr>
+            <a:r>
+              <a:rPr lang="en-IN" dirty="0"/>
               <a:t>   return(0);</a:t>
             </a:r>
           </a:p>
@@ -3959,10 +3922,9 @@
               <a:buNone/>
             </a:pPr>
             <a:r>
-              <a:rPr lang="en-IN" dirty="0" smtClean="0"/>
+              <a:rPr lang="en-IN" dirty="0"/>
               <a:t>}</a:t>
             </a:r>
-            <a:endParaRPr lang="en-IN" dirty="0"/>
           </a:p>
         </p:txBody>
       </p:sp>
@@ -4020,14 +3982,10 @@
           <a:p>
             <a:r>
               <a:rPr lang="en-US" dirty="0" err="1"/>
-              <a:t>s</a:t>
-            </a:r>
-            <a:r>
-              <a:rPr lang="en-US" dirty="0" err="1" smtClean="0"/>
-              <a:t>etenv</a:t>
-            </a:r>
-            <a:r>
-              <a:rPr lang="en-US" dirty="0" smtClean="0"/>
+              <a:t>setenv</a:t>
+            </a:r>
+            <a:r>
+              <a:rPr lang="en-US" dirty="0"/>
               <a:t>()</a:t>
             </a:r>
             <a:endParaRPr lang="en-IN" dirty="0"/>
@@ -4114,13 +4072,13 @@
               <a:t>value</a:t>
             </a:r>
             <a:r>
-              <a:rPr lang="en-US" dirty="0" smtClean="0"/>
+              <a:rPr lang="en-US" dirty="0"/>
               <a:t>.</a:t>
             </a:r>
           </a:p>
           <a:p>
             <a:pPr algn="just"/>
-            <a:endParaRPr lang="en-US" dirty="0" smtClean="0"/>
+            <a:endParaRPr lang="en-US" dirty="0"/>
           </a:p>
           <a:p>
             <a:pPr algn="just"/>
@@ -4130,18 +4088,10 @@
                   <a:srgbClr val="FF0000"/>
                 </a:solidFill>
               </a:rPr>
-              <a:t>i</a:t>
-            </a:r>
-            <a:r>
-              <a:rPr lang="en-US" dirty="0" err="1" smtClean="0">
-                <a:solidFill>
-                  <a:srgbClr val="FF0000"/>
-                </a:solidFill>
-              </a:rPr>
-              <a:t>nt</a:t>
-            </a:r>
-            <a:r>
-              <a:rPr lang="en-US" dirty="0" smtClean="0">
+              <a:t>int</a:t>
+            </a:r>
+            <a:r>
+              <a:rPr lang="en-US" dirty="0">
                 <a:solidFill>
                   <a:srgbClr val="FF0000"/>
                 </a:solidFill>
@@ -4149,7 +4099,7 @@
               <a:t>  </a:t>
             </a:r>
             <a:r>
-              <a:rPr lang="en-US" b="1" dirty="0" err="1" smtClean="0">
+              <a:rPr lang="en-US" b="1" dirty="0" err="1">
                 <a:solidFill>
                   <a:srgbClr val="FF0000"/>
                 </a:solidFill>
@@ -4157,36 +4107,12 @@
               <a:t>setenv</a:t>
             </a:r>
             <a:r>
-              <a:rPr lang="en-US" dirty="0" smtClean="0">
+              <a:rPr lang="en-US" dirty="0">
                 <a:solidFill>
                   <a:srgbClr val="FF0000"/>
                 </a:solidFill>
               </a:rPr>
               <a:t>(</a:t>
-            </a:r>
-            <a:r>
-              <a:rPr lang="en-US" dirty="0" err="1" smtClean="0">
-                <a:solidFill>
-                  <a:srgbClr val="FF0000"/>
-                </a:solidFill>
-              </a:rPr>
-              <a:t>const</a:t>
-            </a:r>
-            <a:r>
-              <a:rPr lang="en-US" dirty="0" smtClean="0">
-                <a:solidFill>
-                  <a:srgbClr val="FF0000"/>
-                </a:solidFill>
-              </a:rPr>
-              <a:t> </a:t>
-            </a:r>
-            <a:r>
-              <a:rPr lang="en-US" dirty="0">
-                <a:solidFill>
-                  <a:srgbClr val="FF0000"/>
-                </a:solidFill>
-              </a:rPr>
-              <a:t>char *name, </a:t>
             </a:r>
             <a:r>
               <a:rPr lang="en-US" dirty="0" err="1">
@@ -4202,6 +4128,22 @@
                   <a:srgbClr val="FF0000"/>
                 </a:solidFill>
               </a:rPr>
+              <a:t> char *name, </a:t>
+            </a:r>
+            <a:r>
+              <a:rPr lang="en-US" dirty="0" err="1">
+                <a:solidFill>
+                  <a:srgbClr val="FF0000"/>
+                </a:solidFill>
+              </a:rPr>
+              <a:t>const</a:t>
+            </a:r>
+            <a:r>
+              <a:rPr lang="en-US" dirty="0">
+                <a:solidFill>
+                  <a:srgbClr val="FF0000"/>
+                </a:solidFill>
+              </a:rPr>
               <a:t> char *value, </a:t>
             </a:r>
             <a:r>
@@ -4218,314 +4160,293 @@
                   <a:srgbClr val="FF0000"/>
                 </a:solidFill>
               </a:rPr>
-              <a:t> overwrite</a:t>
-            </a:r>
-            <a:r>
-              <a:rPr lang="en-US" dirty="0" smtClean="0">
-                <a:solidFill>
-                  <a:srgbClr val="FF0000"/>
-                </a:solidFill>
-              </a:rPr>
-              <a:t>); </a:t>
-            </a:r>
-            <a:endParaRPr lang="en-US" dirty="0" smtClean="0">
+              <a:t> overwrite); </a:t>
+            </a:r>
+          </a:p>
+          <a:p>
+            <a:pPr algn="just"/>
+            <a:endParaRPr lang="en-US" dirty="0">
               <a:solidFill>
                 <a:srgbClr val="FF0000"/>
               </a:solidFill>
             </a:endParaRPr>
           </a:p>
           <a:p>
+            <a:pPr marL="0" indent="0" algn="just">
+              <a:buNone/>
+            </a:pPr>
+            <a:r>
+              <a:rPr lang="en-US" dirty="0"/>
+              <a:t>#include &lt;</a:t>
+            </a:r>
+            <a:r>
+              <a:rPr lang="en-US" dirty="0" err="1"/>
+              <a:t>stdio.h</a:t>
+            </a:r>
+            <a:r>
+              <a:rPr lang="en-US" dirty="0"/>
+              <a:t>&gt;</a:t>
+            </a:r>
+          </a:p>
+          <a:p>
+            <a:pPr marL="0" indent="0" algn="just">
+              <a:buNone/>
+            </a:pPr>
+            <a:r>
+              <a:rPr lang="en-US" dirty="0"/>
+              <a:t>#include &lt;</a:t>
+            </a:r>
+            <a:r>
+              <a:rPr lang="en-US" dirty="0" err="1"/>
+              <a:t>stdlib.h</a:t>
+            </a:r>
+            <a:r>
+              <a:rPr lang="en-US" dirty="0"/>
+              <a:t>&gt;</a:t>
+            </a:r>
+          </a:p>
+          <a:p>
+            <a:pPr marL="0" indent="0" algn="just">
+              <a:buNone/>
+            </a:pPr>
+            <a:r>
+              <a:rPr lang="en-US" dirty="0" err="1"/>
+              <a:t>int</a:t>
+            </a:r>
+            <a:r>
+              <a:rPr lang="en-US" dirty="0"/>
+              <a:t> main (</a:t>
+            </a:r>
+            <a:r>
+              <a:rPr lang="en-US" dirty="0" err="1"/>
+              <a:t>int</a:t>
+            </a:r>
+            <a:r>
+              <a:rPr lang="en-US" dirty="0"/>
+              <a:t> </a:t>
+            </a:r>
+            <a:r>
+              <a:rPr lang="en-US" dirty="0" err="1"/>
+              <a:t>argc</a:t>
+            </a:r>
+            <a:r>
+              <a:rPr lang="en-US" dirty="0"/>
+              <a:t>, char *</a:t>
+            </a:r>
+            <a:r>
+              <a:rPr lang="en-US" dirty="0" err="1"/>
+              <a:t>argv</a:t>
+            </a:r>
+            <a:r>
+              <a:rPr lang="en-US" dirty="0"/>
+              <a:t>[], char *</a:t>
+            </a:r>
+            <a:r>
+              <a:rPr lang="en-US" dirty="0" err="1"/>
+              <a:t>envp</a:t>
+            </a:r>
+            <a:r>
+              <a:rPr lang="en-US" dirty="0"/>
+              <a:t>[])</a:t>
+            </a:r>
+          </a:p>
+          <a:p>
+            <a:pPr marL="0" indent="0" algn="just">
+              <a:buNone/>
+            </a:pPr>
+            <a:r>
+              <a:rPr lang="en-US" dirty="0"/>
+              <a:t>{</a:t>
+            </a:r>
+          </a:p>
+          <a:p>
+            <a:pPr marL="0" indent="0" algn="just">
+              <a:buNone/>
+            </a:pPr>
+            <a:r>
+              <a:rPr lang="en-US" dirty="0"/>
+              <a:t>   </a:t>
+            </a:r>
+            <a:r>
+              <a:rPr lang="en-US" dirty="0" err="1"/>
+              <a:t>setenv</a:t>
+            </a:r>
+            <a:r>
+              <a:rPr lang="en-US" dirty="0"/>
+              <a:t>("COLLEGE","VIT_UNIVERSITY",1);</a:t>
+            </a:r>
+          </a:p>
+          <a:p>
+            <a:pPr marL="0" indent="0" algn="just">
+              <a:buNone/>
+            </a:pPr>
+            <a:r>
+              <a:rPr lang="en-US" dirty="0"/>
+              <a:t>   </a:t>
+            </a:r>
+            <a:r>
+              <a:rPr lang="en-US" dirty="0" err="1"/>
+              <a:t>printf</a:t>
+            </a:r>
+            <a:r>
+              <a:rPr lang="en-US" dirty="0"/>
+              <a:t>("COLLEGE: %s\n", </a:t>
+            </a:r>
+            <a:r>
+              <a:rPr lang="en-US" dirty="0" err="1"/>
+              <a:t>getenv</a:t>
+            </a:r>
+            <a:r>
+              <a:rPr lang="en-US" dirty="0"/>
+              <a:t>("HOMEPATH"));</a:t>
+            </a:r>
+          </a:p>
+          <a:p>
+            <a:pPr marL="0" indent="0" algn="just">
+              <a:buNone/>
+            </a:pPr>
+            <a:r>
+              <a:rPr lang="en-US" dirty="0"/>
+              <a:t>   </a:t>
+            </a:r>
+            <a:r>
+              <a:rPr lang="en-US" dirty="0" err="1"/>
+              <a:t>int</a:t>
+            </a:r>
+            <a:r>
+              <a:rPr lang="en-US" dirty="0"/>
+              <a:t> </a:t>
+            </a:r>
+            <a:r>
+              <a:rPr lang="en-US" dirty="0" err="1"/>
+              <a:t>i</a:t>
+            </a:r>
+            <a:r>
+              <a:rPr lang="en-US" dirty="0"/>
+              <a:t>;</a:t>
+            </a:r>
+          </a:p>
+          <a:p>
+            <a:pPr marL="0" indent="0" algn="just">
+              <a:buNone/>
+            </a:pPr>
+            <a:r>
+              <a:rPr lang="en-US" dirty="0"/>
+              <a:t>   for (</a:t>
+            </a:r>
+            <a:r>
+              <a:rPr lang="en-US" dirty="0" err="1"/>
+              <a:t>i</a:t>
+            </a:r>
+            <a:r>
+              <a:rPr lang="en-US" dirty="0"/>
+              <a:t> = 0; </a:t>
+            </a:r>
+            <a:r>
+              <a:rPr lang="en-US" dirty="0" err="1"/>
+              <a:t>envp</a:t>
+            </a:r>
+            <a:r>
+              <a:rPr lang="en-US" dirty="0"/>
+              <a:t>[</a:t>
+            </a:r>
+            <a:r>
+              <a:rPr lang="en-US" dirty="0" err="1"/>
+              <a:t>i</a:t>
+            </a:r>
+            <a:r>
+              <a:rPr lang="en-US" dirty="0"/>
+              <a:t>] != NULL; </a:t>
+            </a:r>
+            <a:r>
+              <a:rPr lang="en-US" dirty="0" err="1"/>
+              <a:t>i</a:t>
+            </a:r>
+            <a:r>
+              <a:rPr lang="en-US" dirty="0"/>
+              <a:t>++)</a:t>
+            </a:r>
+          </a:p>
+          <a:p>
+            <a:pPr marL="0" indent="0" algn="just">
+              <a:buNone/>
+            </a:pPr>
+            <a:r>
+              <a:rPr lang="en-US" dirty="0"/>
+              <a:t>   {</a:t>
+            </a:r>
+          </a:p>
+          <a:p>
+            <a:pPr marL="0" indent="0" algn="just">
+              <a:buNone/>
+            </a:pPr>
+            <a:r>
+              <a:rPr lang="en-US" dirty="0"/>
+              <a:t>     </a:t>
+            </a:r>
+            <a:r>
+              <a:rPr lang="en-US" dirty="0" err="1"/>
+              <a:t>printf</a:t>
+            </a:r>
+            <a:r>
+              <a:rPr lang="en-US" dirty="0"/>
+              <a:t>("\</a:t>
+            </a:r>
+            <a:r>
+              <a:rPr lang="en-US" dirty="0" err="1"/>
+              <a:t>n%s</a:t>
+            </a:r>
+            <a:r>
+              <a:rPr lang="en-US" dirty="0"/>
+              <a:t>", </a:t>
+            </a:r>
+            <a:r>
+              <a:rPr lang="en-US" dirty="0" err="1"/>
+              <a:t>envp</a:t>
+            </a:r>
+            <a:r>
+              <a:rPr lang="en-US" dirty="0"/>
+              <a:t>[</a:t>
+            </a:r>
+            <a:r>
+              <a:rPr lang="en-US" dirty="0" err="1"/>
+              <a:t>i</a:t>
+            </a:r>
+            <a:r>
+              <a:rPr lang="en-US" dirty="0"/>
+              <a:t>]);</a:t>
+            </a:r>
+          </a:p>
+          <a:p>
+            <a:pPr marL="0" indent="0" algn="just">
+              <a:buNone/>
+            </a:pPr>
+            <a:r>
+              <a:rPr lang="en-US" dirty="0"/>
+              <a:t>   }</a:t>
+            </a:r>
+          </a:p>
+          <a:p>
+            <a:pPr marL="0" indent="0" algn="just">
+              <a:buNone/>
+            </a:pPr>
+            <a:r>
+              <a:rPr lang="en-US" dirty="0"/>
+              <a:t>   return(0);</a:t>
+            </a:r>
+          </a:p>
+          <a:p>
+            <a:pPr marL="0" indent="0" algn="just">
+              <a:buNone/>
+            </a:pPr>
+            <a:r>
+              <a:rPr lang="en-US" dirty="0"/>
+              <a:t>}</a:t>
+            </a:r>
+          </a:p>
+          <a:p>
             <a:pPr algn="just"/>
-            <a:endParaRPr lang="en-US" dirty="0" smtClean="0">
-              <a:solidFill>
-                <a:srgbClr val="FF0000"/>
-              </a:solidFill>
-            </a:endParaRPr>
-          </a:p>
-          <a:p>
-            <a:pPr marL="0" indent="0" algn="just">
-              <a:buNone/>
-            </a:pPr>
-            <a:r>
-              <a:rPr lang="en-US" dirty="0" smtClean="0"/>
-              <a:t>#</a:t>
-            </a:r>
-            <a:r>
-              <a:rPr lang="en-US" dirty="0" smtClean="0"/>
-              <a:t>include &lt;</a:t>
-            </a:r>
-            <a:r>
-              <a:rPr lang="en-US" dirty="0" err="1" smtClean="0"/>
-              <a:t>stdio.h</a:t>
-            </a:r>
-            <a:r>
-              <a:rPr lang="en-US" dirty="0" smtClean="0"/>
-              <a:t>&gt;</a:t>
-            </a:r>
-          </a:p>
-          <a:p>
-            <a:pPr marL="0" indent="0" algn="just">
-              <a:buNone/>
-            </a:pPr>
-            <a:r>
-              <a:rPr lang="en-US" dirty="0" smtClean="0"/>
-              <a:t>#</a:t>
-            </a:r>
-            <a:r>
-              <a:rPr lang="en-US" dirty="0" smtClean="0"/>
-              <a:t>include &lt;</a:t>
-            </a:r>
-            <a:r>
-              <a:rPr lang="en-US" dirty="0" err="1" smtClean="0"/>
-              <a:t>stdlib.h</a:t>
-            </a:r>
-            <a:r>
-              <a:rPr lang="en-US" dirty="0" smtClean="0"/>
-              <a:t>&gt;</a:t>
-            </a:r>
-          </a:p>
-          <a:p>
-            <a:pPr marL="0" indent="0" algn="just">
-              <a:buNone/>
-            </a:pPr>
-            <a:r>
-              <a:rPr lang="en-US" dirty="0" err="1" smtClean="0"/>
-              <a:t>int</a:t>
-            </a:r>
-            <a:r>
-              <a:rPr lang="en-US" dirty="0" smtClean="0"/>
-              <a:t> main (</a:t>
-            </a:r>
-            <a:r>
-              <a:rPr lang="en-US" dirty="0" err="1" smtClean="0"/>
-              <a:t>int</a:t>
-            </a:r>
-            <a:r>
-              <a:rPr lang="en-US" dirty="0" smtClean="0"/>
-              <a:t> </a:t>
-            </a:r>
-            <a:r>
-              <a:rPr lang="en-US" dirty="0" err="1" smtClean="0"/>
-              <a:t>argc</a:t>
-            </a:r>
-            <a:r>
-              <a:rPr lang="en-US" dirty="0" smtClean="0"/>
-              <a:t>, char *</a:t>
-            </a:r>
-            <a:r>
-              <a:rPr lang="en-US" dirty="0" err="1" smtClean="0"/>
-              <a:t>argv</a:t>
-            </a:r>
-            <a:r>
-              <a:rPr lang="en-US" dirty="0" smtClean="0"/>
-              <a:t>[], char *</a:t>
-            </a:r>
-            <a:r>
-              <a:rPr lang="en-US" dirty="0" err="1" smtClean="0"/>
-              <a:t>envp</a:t>
-            </a:r>
-            <a:r>
-              <a:rPr lang="en-US" dirty="0" smtClean="0"/>
-              <a:t>[])</a:t>
-            </a:r>
-          </a:p>
-          <a:p>
-            <a:pPr marL="0" indent="0" algn="just">
-              <a:buNone/>
-            </a:pPr>
-            <a:r>
-              <a:rPr lang="en-US" dirty="0" smtClean="0"/>
-              <a:t>{</a:t>
-            </a:r>
-          </a:p>
-          <a:p>
-            <a:pPr marL="0" indent="0" algn="just">
-              <a:buNone/>
-            </a:pPr>
-            <a:r>
-              <a:rPr lang="en-US" dirty="0" smtClean="0"/>
-              <a:t>   </a:t>
-            </a:r>
-            <a:r>
-              <a:rPr lang="en-US" dirty="0" err="1" smtClean="0"/>
-              <a:t>setenv</a:t>
-            </a:r>
-            <a:r>
-              <a:rPr lang="en-US" dirty="0" smtClean="0"/>
-              <a:t>("COLLEGE","VIT_UNIVERSITY",1);</a:t>
-            </a:r>
-          </a:p>
-          <a:p>
-            <a:pPr marL="0" indent="0" algn="just">
-              <a:buNone/>
-            </a:pPr>
-            <a:r>
-              <a:rPr lang="en-US" dirty="0" smtClean="0"/>
-              <a:t>   </a:t>
-            </a:r>
-            <a:r>
-              <a:rPr lang="en-US" dirty="0" err="1" smtClean="0"/>
-              <a:t>printf</a:t>
-            </a:r>
-            <a:r>
-              <a:rPr lang="en-US" dirty="0" smtClean="0"/>
-              <a:t>("COLLEGE: %s\n", </a:t>
-            </a:r>
-            <a:r>
-              <a:rPr lang="en-US" dirty="0" err="1" smtClean="0"/>
-              <a:t>getenv</a:t>
-            </a:r>
-            <a:r>
-              <a:rPr lang="en-US" dirty="0" smtClean="0"/>
-              <a:t>("HOMEPATH"));</a:t>
-            </a:r>
-          </a:p>
-          <a:p>
-            <a:pPr marL="0" indent="0" algn="just">
-              <a:buNone/>
-            </a:pPr>
-            <a:r>
-              <a:rPr lang="en-US" dirty="0" smtClean="0"/>
-              <a:t>   </a:t>
-            </a:r>
-            <a:r>
-              <a:rPr lang="en-US" dirty="0" err="1" smtClean="0"/>
-              <a:t>int</a:t>
-            </a:r>
-            <a:r>
-              <a:rPr lang="en-US" dirty="0" smtClean="0"/>
-              <a:t> </a:t>
-            </a:r>
-            <a:r>
-              <a:rPr lang="en-US" dirty="0" err="1" smtClean="0"/>
-              <a:t>i</a:t>
-            </a:r>
-            <a:r>
-              <a:rPr lang="en-US" dirty="0" smtClean="0"/>
-              <a:t>;</a:t>
-            </a:r>
-          </a:p>
-          <a:p>
-            <a:pPr marL="0" indent="0" algn="just">
-              <a:buNone/>
-            </a:pPr>
-            <a:r>
-              <a:rPr lang="en-US" dirty="0" smtClean="0"/>
-              <a:t>   for (</a:t>
-            </a:r>
-            <a:r>
-              <a:rPr lang="en-US" dirty="0" err="1" smtClean="0"/>
-              <a:t>i</a:t>
-            </a:r>
-            <a:r>
-              <a:rPr lang="en-US" dirty="0" smtClean="0"/>
-              <a:t> = 0; </a:t>
-            </a:r>
-            <a:r>
-              <a:rPr lang="en-US" dirty="0" err="1" smtClean="0"/>
-              <a:t>envp</a:t>
-            </a:r>
-            <a:r>
-              <a:rPr lang="en-US" dirty="0" smtClean="0"/>
-              <a:t>[</a:t>
-            </a:r>
-            <a:r>
-              <a:rPr lang="en-US" dirty="0" err="1" smtClean="0"/>
-              <a:t>i</a:t>
-            </a:r>
-            <a:r>
-              <a:rPr lang="en-US" dirty="0" smtClean="0"/>
-              <a:t>] != NULL; </a:t>
-            </a:r>
-            <a:r>
-              <a:rPr lang="en-US" dirty="0" err="1" smtClean="0"/>
-              <a:t>i</a:t>
-            </a:r>
-            <a:r>
-              <a:rPr lang="en-US" dirty="0" smtClean="0"/>
-              <a:t>++)</a:t>
-            </a:r>
-          </a:p>
-          <a:p>
-            <a:pPr marL="0" indent="0" algn="just">
-              <a:buNone/>
-            </a:pPr>
-            <a:r>
-              <a:rPr lang="en-US" dirty="0" smtClean="0"/>
-              <a:t>   {</a:t>
-            </a:r>
-          </a:p>
-          <a:p>
-            <a:pPr marL="0" indent="0" algn="just">
-              <a:buNone/>
-            </a:pPr>
-            <a:r>
-              <a:rPr lang="en-US" dirty="0" smtClean="0"/>
-              <a:t>     </a:t>
-            </a:r>
-            <a:r>
-              <a:rPr lang="en-US" dirty="0" err="1" smtClean="0"/>
-              <a:t>printf</a:t>
-            </a:r>
-            <a:r>
-              <a:rPr lang="en-US" dirty="0" smtClean="0"/>
-              <a:t>("\</a:t>
-            </a:r>
-            <a:r>
-              <a:rPr lang="en-US" dirty="0" err="1" smtClean="0"/>
-              <a:t>n%s</a:t>
-            </a:r>
-            <a:r>
-              <a:rPr lang="en-US" dirty="0" smtClean="0"/>
-              <a:t>", </a:t>
-            </a:r>
-            <a:r>
-              <a:rPr lang="en-US" dirty="0" err="1" smtClean="0"/>
-              <a:t>envp</a:t>
-            </a:r>
-            <a:r>
-              <a:rPr lang="en-US" dirty="0" smtClean="0"/>
-              <a:t>[</a:t>
-            </a:r>
-            <a:r>
-              <a:rPr lang="en-US" dirty="0" err="1" smtClean="0"/>
-              <a:t>i</a:t>
-            </a:r>
-            <a:r>
-              <a:rPr lang="en-US" dirty="0" smtClean="0"/>
-              <a:t>]);</a:t>
-            </a:r>
-          </a:p>
-          <a:p>
-            <a:pPr marL="0" indent="0" algn="just">
-              <a:buNone/>
-            </a:pPr>
-            <a:r>
-              <a:rPr lang="en-US" dirty="0" smtClean="0"/>
-              <a:t>   }</a:t>
-            </a:r>
-          </a:p>
-          <a:p>
-            <a:pPr marL="0" indent="0" algn="just">
-              <a:buNone/>
-            </a:pPr>
-            <a:r>
-              <a:rPr lang="en-US" dirty="0" smtClean="0"/>
-              <a:t>   return(0);</a:t>
-            </a:r>
-          </a:p>
-          <a:p>
-            <a:pPr marL="0" indent="0" algn="just">
-              <a:buNone/>
-            </a:pPr>
-            <a:r>
-              <a:rPr lang="en-US" dirty="0" smtClean="0"/>
-              <a:t>}</a:t>
-            </a:r>
-          </a:p>
-          <a:p>
-            <a:pPr algn="just"/>
-            <a:endParaRPr lang="en-US" dirty="0" smtClean="0"/>
+            <a:endParaRPr lang="en-US" dirty="0"/>
           </a:p>
           <a:p>
             <a:pPr algn="just"/>
@@ -4587,11 +4508,11 @@
           <a:lstStyle/>
           <a:p>
             <a:r>
-              <a:rPr lang="en-US" b="1" dirty="0" err="1" smtClean="0"/>
+              <a:rPr lang="en-US" b="1" dirty="0" err="1"/>
               <a:t>putenv</a:t>
             </a:r>
             <a:r>
-              <a:rPr lang="en-US" dirty="0" smtClean="0"/>
+              <a:rPr lang="en-US" dirty="0"/>
               <a:t>()</a:t>
             </a:r>
             <a:endParaRPr lang="en-IN" dirty="0"/>
@@ -4662,7 +4583,7 @@
               <a:t>value</a:t>
             </a:r>
             <a:r>
-              <a:rPr lang="en-US" dirty="0" smtClean="0"/>
+              <a:rPr lang="en-US" dirty="0"/>
               <a:t>.</a:t>
             </a:r>
           </a:p>
@@ -4673,135 +4594,126 @@
           <a:p>
             <a:pPr algn="just"/>
             <a:r>
-              <a:rPr lang="en-IN" dirty="0" err="1" smtClean="0"/>
+              <a:rPr lang="en-IN" dirty="0" err="1"/>
               <a:t>Int</a:t>
             </a:r>
             <a:r>
-              <a:rPr lang="en-IN" dirty="0" smtClean="0"/>
+              <a:rPr lang="en-IN" dirty="0"/>
               <a:t> </a:t>
             </a:r>
             <a:r>
-              <a:rPr lang="en-IN" b="1" dirty="0" err="1" smtClean="0"/>
+              <a:rPr lang="en-IN" b="1" dirty="0" err="1"/>
               <a:t>putenv</a:t>
             </a:r>
             <a:r>
-              <a:rPr lang="en-IN" dirty="0" smtClean="0"/>
-              <a:t>(char </a:t>
-            </a:r>
-            <a:r>
-              <a:rPr lang="en-IN" dirty="0"/>
-              <a:t>*string</a:t>
-            </a:r>
-            <a:r>
-              <a:rPr lang="en-IN" dirty="0" smtClean="0"/>
+              <a:rPr lang="en-IN" dirty="0"/>
+              <a:t>(char *string);</a:t>
+            </a:r>
+          </a:p>
+          <a:p>
+            <a:pPr algn="just"/>
+            <a:endParaRPr lang="en-IN" dirty="0"/>
+          </a:p>
+          <a:p>
+            <a:pPr marL="0" indent="0" algn="just">
+              <a:buNone/>
+            </a:pPr>
+            <a:r>
+              <a:rPr lang="en-IN" dirty="0"/>
+              <a:t>#include &lt;</a:t>
+            </a:r>
+            <a:r>
+              <a:rPr lang="en-IN" dirty="0" err="1"/>
+              <a:t>stdlib.h</a:t>
+            </a:r>
+            <a:r>
+              <a:rPr lang="en-IN" dirty="0"/>
+              <a:t>&gt;</a:t>
+            </a:r>
+          </a:p>
+          <a:p>
+            <a:pPr marL="0" indent="0" algn="just">
+              <a:buNone/>
+            </a:pPr>
+            <a:r>
+              <a:rPr lang="en-IN" dirty="0"/>
+              <a:t>...</a:t>
+            </a:r>
+          </a:p>
+          <a:p>
+            <a:pPr marL="0" indent="0" algn="just">
+              <a:buNone/>
+            </a:pPr>
+            <a:r>
+              <a:rPr lang="en-IN" dirty="0"/>
+              <a:t>static char *</a:t>
+            </a:r>
+            <a:r>
+              <a:rPr lang="en-IN" dirty="0" err="1"/>
+              <a:t>var</a:t>
+            </a:r>
+            <a:r>
+              <a:rPr lang="en-IN" dirty="0"/>
+              <a:t> = "HOME=/</a:t>
+            </a:r>
+            <a:r>
+              <a:rPr lang="en-IN" dirty="0" err="1"/>
+              <a:t>usr</a:t>
+            </a:r>
+            <a:r>
+              <a:rPr lang="en-IN" dirty="0"/>
+              <a:t>/home";</a:t>
+            </a:r>
+          </a:p>
+          <a:p>
+            <a:pPr marL="0" indent="0" algn="just">
+              <a:buNone/>
+            </a:pPr>
+            <a:r>
+              <a:rPr lang="en-IN" dirty="0" err="1"/>
+              <a:t>int</a:t>
+            </a:r>
+            <a:r>
+              <a:rPr lang="en-IN" dirty="0"/>
+              <a:t> ret;</a:t>
+            </a:r>
+          </a:p>
+          <a:p>
+            <a:pPr marL="0" indent="0" algn="just">
+              <a:buNone/>
+            </a:pPr>
+            <a:endParaRPr lang="en-IN" dirty="0"/>
+          </a:p>
+          <a:p>
+            <a:pPr marL="0" indent="0" algn="just">
+              <a:buNone/>
+            </a:pPr>
+            <a:endParaRPr lang="en-IN" dirty="0"/>
+          </a:p>
+          <a:p>
+            <a:pPr marL="0" indent="0" algn="just">
+              <a:buNone/>
+            </a:pPr>
+            <a:r>
+              <a:rPr lang="en-IN" dirty="0"/>
+              <a:t>ret = </a:t>
+            </a:r>
+            <a:r>
+              <a:rPr lang="en-IN" dirty="0" err="1"/>
+              <a:t>putenv</a:t>
+            </a:r>
+            <a:r>
+              <a:rPr lang="en-IN" dirty="0"/>
+              <a:t>(</a:t>
+            </a:r>
+            <a:r>
+              <a:rPr lang="en-IN" dirty="0" err="1"/>
+              <a:t>var</a:t>
+            </a:r>
+            <a:r>
+              <a:rPr lang="en-IN" dirty="0"/>
               <a:t>);</a:t>
             </a:r>
-          </a:p>
-          <a:p>
-            <a:pPr algn="just"/>
-            <a:endParaRPr lang="en-IN" dirty="0" smtClean="0"/>
-          </a:p>
-          <a:p>
-            <a:pPr marL="0" indent="0" algn="just">
-              <a:buNone/>
-            </a:pPr>
-            <a:r>
-              <a:rPr lang="en-IN" dirty="0" smtClean="0"/>
-              <a:t>#include &lt;</a:t>
-            </a:r>
-            <a:r>
-              <a:rPr lang="en-IN" dirty="0" err="1" smtClean="0"/>
-              <a:t>stdlib.h</a:t>
-            </a:r>
-            <a:r>
-              <a:rPr lang="en-IN" dirty="0" smtClean="0"/>
-              <a:t>&gt;</a:t>
-            </a:r>
-          </a:p>
-          <a:p>
-            <a:pPr marL="0" indent="0" algn="just">
-              <a:buNone/>
-            </a:pPr>
-            <a:r>
-              <a:rPr lang="en-IN" dirty="0" smtClean="0"/>
-              <a:t>...</a:t>
-            </a:r>
-          </a:p>
-          <a:p>
-            <a:pPr marL="0" indent="0" algn="just">
-              <a:buNone/>
-            </a:pPr>
-            <a:r>
-              <a:rPr lang="en-IN" dirty="0" smtClean="0"/>
-              <a:t>static char *</a:t>
-            </a:r>
-            <a:r>
-              <a:rPr lang="en-IN" dirty="0" err="1" smtClean="0"/>
-              <a:t>var</a:t>
-            </a:r>
-            <a:r>
-              <a:rPr lang="en-IN" dirty="0" smtClean="0"/>
-              <a:t> = "HOME=/</a:t>
-            </a:r>
-            <a:r>
-              <a:rPr lang="en-IN" dirty="0" err="1" smtClean="0"/>
-              <a:t>usr</a:t>
-            </a:r>
-            <a:r>
-              <a:rPr lang="en-IN" dirty="0" smtClean="0"/>
-              <a:t>/home";</a:t>
-            </a:r>
-          </a:p>
-          <a:p>
-            <a:pPr marL="0" indent="0" algn="just">
-              <a:buNone/>
-            </a:pPr>
-            <a:r>
-              <a:rPr lang="en-IN" dirty="0" err="1" smtClean="0"/>
-              <a:t>int</a:t>
-            </a:r>
-            <a:r>
-              <a:rPr lang="en-IN" dirty="0" smtClean="0"/>
-              <a:t> ret;</a:t>
-            </a:r>
-          </a:p>
-          <a:p>
-            <a:pPr marL="0" indent="0" algn="just">
-              <a:buNone/>
-            </a:pPr>
-            <a:endParaRPr lang="en-IN" dirty="0" smtClean="0"/>
-          </a:p>
-          <a:p>
-            <a:pPr marL="0" indent="0" algn="just">
-              <a:buNone/>
-            </a:pPr>
-            <a:endParaRPr lang="en-IN" dirty="0" smtClean="0"/>
-          </a:p>
-          <a:p>
-            <a:pPr marL="0" indent="0" algn="just">
-              <a:buNone/>
-            </a:pPr>
-            <a:r>
-              <a:rPr lang="en-IN" dirty="0" smtClean="0"/>
-              <a:t>ret = </a:t>
-            </a:r>
-            <a:r>
-              <a:rPr lang="en-IN" dirty="0" err="1" smtClean="0"/>
-              <a:t>putenv</a:t>
-            </a:r>
-            <a:r>
-              <a:rPr lang="en-IN" dirty="0" smtClean="0"/>
-              <a:t>(</a:t>
-            </a:r>
-            <a:r>
-              <a:rPr lang="en-IN" dirty="0" err="1" smtClean="0"/>
-              <a:t>var</a:t>
-            </a:r>
-            <a:r>
-              <a:rPr lang="en-IN" dirty="0" smtClean="0"/>
-              <a:t>);</a:t>
-            </a:r>
-            <a:endParaRPr lang="en-IN" dirty="0"/>
           </a:p>
         </p:txBody>
       </p:sp>
@@ -4851,11 +4763,11 @@
           <a:lstStyle/>
           <a:p>
             <a:r>
-              <a:rPr lang="en-US" b="1" dirty="0" err="1" smtClean="0"/>
+              <a:rPr lang="en-US" b="1" dirty="0" err="1"/>
               <a:t>unsetenv</a:t>
             </a:r>
             <a:r>
-              <a:rPr lang="en-US" dirty="0" smtClean="0"/>
+              <a:rPr lang="en-US" dirty="0"/>
               <a:t>() </a:t>
             </a:r>
             <a:endParaRPr lang="en-IN" dirty="0"/>
@@ -4895,11 +4807,7 @@
             </a:r>
             <a:r>
               <a:rPr lang="en-US" dirty="0"/>
-              <a:t> from the list</a:t>
-            </a:r>
-            <a:r>
-              <a:rPr lang="en-US" dirty="0" smtClean="0"/>
-              <a:t>.</a:t>
+              <a:t> from the list.</a:t>
             </a:r>
           </a:p>
           <a:p>
@@ -4907,32 +4815,28 @@
           </a:p>
           <a:p>
             <a:r>
-              <a:rPr lang="en-IN" dirty="0" err="1" smtClean="0"/>
+              <a:rPr lang="en-IN" dirty="0" err="1"/>
               <a:t>Int</a:t>
             </a:r>
             <a:r>
-              <a:rPr lang="en-IN" dirty="0" smtClean="0"/>
+              <a:rPr lang="en-IN" dirty="0"/>
               <a:t> </a:t>
             </a:r>
             <a:r>
-              <a:rPr lang="en-IN" b="1" dirty="0" err="1" smtClean="0"/>
+              <a:rPr lang="en-IN" b="1" dirty="0" err="1"/>
               <a:t>unsetenv</a:t>
             </a:r>
             <a:r>
-              <a:rPr lang="en-IN" dirty="0" smtClean="0"/>
+              <a:rPr lang="en-IN" dirty="0"/>
               <a:t>(</a:t>
             </a:r>
             <a:r>
-              <a:rPr lang="en-IN" dirty="0" err="1" smtClean="0"/>
+              <a:rPr lang="en-IN" dirty="0" err="1"/>
               <a:t>const</a:t>
             </a:r>
             <a:r>
-              <a:rPr lang="en-IN" dirty="0" smtClean="0"/>
-              <a:t> </a:t>
-            </a:r>
-            <a:r>
-              <a:rPr lang="en-IN" dirty="0"/>
-              <a:t>char *name);</a:t>
+              <a:rPr lang="en-IN" dirty="0"/>
+              <a:t> char *name);</a:t>
             </a:r>
           </a:p>
           <a:p>
@@ -5012,11 +4916,7 @@
             <a:pPr algn="just"/>
             <a:r>
               <a:rPr lang="en-US" sz="2400" dirty="0"/>
-              <a:t>Command line arguments are simply arguments that are specified after the name of the program in the system’s command line, and these argument values are passed on to your program during program execution</a:t>
-            </a:r>
-            <a:r>
-              <a:rPr lang="en-US" sz="2400" dirty="0" smtClean="0"/>
-              <a:t>.</a:t>
+              <a:t>Command line arguments are simply arguments that are specified after the name of the program in the system’s command line, and these argument values are passed on to your program during program execution.</a:t>
             </a:r>
           </a:p>
           <a:p>
@@ -5075,10 +4975,9 @@
           <a:lstStyle/>
           <a:p>
             <a:r>
-              <a:rPr lang="en-IN" dirty="0" smtClean="0"/>
+              <a:rPr lang="en-IN" dirty="0"/>
               <a:t>Command line arguments</a:t>
             </a:r>
-            <a:endParaRPr lang="en-IN" dirty="0"/>
           </a:p>
         </p:txBody>
       </p:sp>
@@ -5100,7 +4999,7 @@
           <a:lstStyle/>
           <a:p>
             <a:r>
-              <a:rPr lang="en-US" dirty="0" smtClean="0"/>
+              <a:rPr lang="en-US" dirty="0"/>
               <a:t>Syntax</a:t>
             </a:r>
           </a:p>
@@ -5172,16 +5071,8 @@
               </a:rPr>
               <a:t>[] )</a:t>
             </a:r>
-            <a:r>
-              <a:rPr lang="en-US" dirty="0" smtClean="0">
-                <a:solidFill>
-                  <a:srgbClr val="FF0000"/>
-                </a:solidFill>
-              </a:rPr>
-              <a:t/>
-            </a:r>
             <a:br>
-              <a:rPr lang="en-US" dirty="0" smtClean="0">
+              <a:rPr lang="en-US" dirty="0">
                 <a:solidFill>
                   <a:srgbClr val="FF0000"/>
                 </a:solidFill>
@@ -5195,16 +5086,8 @@
               </a:rPr>
               <a:t>{</a:t>
             </a:r>
-            <a:r>
-              <a:rPr lang="en-US" dirty="0" smtClean="0">
-                <a:solidFill>
-                  <a:srgbClr val="FF0000"/>
-                </a:solidFill>
-              </a:rPr>
-              <a:t/>
-            </a:r>
             <a:br>
-              <a:rPr lang="en-US" dirty="0" smtClean="0">
+              <a:rPr lang="en-US" dirty="0">
                 <a:solidFill>
                   <a:srgbClr val="FF0000"/>
                 </a:solidFill>
@@ -5218,23 +5101,15 @@
               </a:rPr>
               <a:t>// BODY OF THE MAIN FUNCTION</a:t>
             </a:r>
-            <a:r>
-              <a:rPr lang="en-US" dirty="0" smtClean="0">
-                <a:solidFill>
-                  <a:srgbClr val="FF0000"/>
-                </a:solidFill>
-              </a:rPr>
-              <a:t/>
-            </a:r>
             <a:br>
-              <a:rPr lang="en-US" dirty="0" smtClean="0">
+              <a:rPr lang="en-US" dirty="0">
                 <a:solidFill>
                   <a:srgbClr val="FF0000"/>
                 </a:solidFill>
               </a:rPr>
             </a:br>
             <a:r>
-              <a:rPr lang="en-US" i="1" dirty="0" smtClean="0">
+              <a:rPr lang="en-US" i="1" dirty="0">
                 <a:solidFill>
                   <a:srgbClr val="FF0000"/>
                 </a:solidFill>
@@ -5346,7 +5221,7 @@
           <a:lstStyle/>
           <a:p>
             <a:r>
-              <a:rPr lang="en-US" dirty="0" smtClean="0"/>
+              <a:rPr lang="en-US" dirty="0"/>
               <a:t>Example 1</a:t>
             </a:r>
             <a:endParaRPr lang="en-IN" dirty="0"/>
@@ -5379,15 +5254,15 @@
               <a:buNone/>
             </a:pPr>
             <a:r>
-              <a:rPr lang="en-IN" dirty="0" smtClean="0"/>
+              <a:rPr lang="en-IN" dirty="0"/>
               <a:t>#include &lt;</a:t>
             </a:r>
             <a:r>
-              <a:rPr lang="en-IN" dirty="0" err="1" smtClean="0"/>
+              <a:rPr lang="en-IN" dirty="0" err="1"/>
               <a:t>stdio.h</a:t>
             </a:r>
             <a:r>
-              <a:rPr lang="en-IN" dirty="0" smtClean="0"/>
+              <a:rPr lang="en-IN" dirty="0"/>
               <a:t>&gt;</a:t>
             </a:r>
           </a:p>
@@ -5396,31 +5271,31 @@
               <a:buNone/>
             </a:pPr>
             <a:r>
-              <a:rPr lang="en-IN" dirty="0" smtClean="0"/>
+              <a:rPr lang="en-IN" dirty="0"/>
               <a:t>void main(</a:t>
             </a:r>
             <a:r>
-              <a:rPr lang="en-IN" dirty="0" err="1" smtClean="0"/>
+              <a:rPr lang="en-IN" dirty="0" err="1"/>
               <a:t>int</a:t>
             </a:r>
             <a:r>
-              <a:rPr lang="en-IN" dirty="0" smtClean="0"/>
+              <a:rPr lang="en-IN" dirty="0"/>
               <a:t> </a:t>
             </a:r>
             <a:r>
-              <a:rPr lang="en-IN" dirty="0" err="1" smtClean="0"/>
+              <a:rPr lang="en-IN" dirty="0" err="1"/>
               <a:t>argc</a:t>
             </a:r>
             <a:r>
-              <a:rPr lang="en-IN" dirty="0" smtClean="0"/>
+              <a:rPr lang="en-IN" dirty="0"/>
               <a:t>, char *</a:t>
             </a:r>
             <a:r>
-              <a:rPr lang="en-IN" dirty="0" err="1" smtClean="0"/>
+              <a:rPr lang="en-IN" dirty="0" err="1"/>
               <a:t>argv</a:t>
             </a:r>
             <a:r>
-              <a:rPr lang="en-IN" dirty="0" smtClean="0"/>
+              <a:rPr lang="en-IN" dirty="0"/>
               <a:t>[] )  {</a:t>
             </a:r>
           </a:p>
@@ -5429,23 +5304,23 @@
               <a:buNone/>
             </a:pPr>
             <a:r>
-              <a:rPr lang="en-IN" dirty="0" smtClean="0"/>
+              <a:rPr lang="en-IN" dirty="0"/>
               <a:t>	</a:t>
             </a:r>
             <a:r>
-              <a:rPr lang="en-IN" dirty="0" err="1" smtClean="0"/>
+              <a:rPr lang="en-IN" dirty="0" err="1"/>
               <a:t>int</a:t>
             </a:r>
             <a:r>
-              <a:rPr lang="en-IN" dirty="0" smtClean="0"/>
+              <a:rPr lang="en-IN" dirty="0"/>
               <a:t> </a:t>
             </a:r>
             <a:r>
-              <a:rPr lang="en-IN" dirty="0" err="1" smtClean="0"/>
+              <a:rPr lang="en-IN" dirty="0" err="1"/>
               <a:t>i</a:t>
             </a:r>
             <a:r>
-              <a:rPr lang="en-IN" dirty="0" smtClean="0"/>
+              <a:rPr lang="en-IN" dirty="0"/>
               <a:t>;</a:t>
             </a:r>
           </a:p>
@@ -5454,23 +5329,23 @@
               <a:buNone/>
             </a:pPr>
             <a:r>
-              <a:rPr lang="en-IN" dirty="0" smtClean="0"/>
+              <a:rPr lang="en-IN" dirty="0"/>
               <a:t>   </a:t>
             </a:r>
             <a:r>
-              <a:rPr lang="en-IN" dirty="0" err="1" smtClean="0"/>
+              <a:rPr lang="en-IN" dirty="0" err="1"/>
               <a:t>printf</a:t>
             </a:r>
             <a:r>
-              <a:rPr lang="en-IN" dirty="0" smtClean="0"/>
+              <a:rPr lang="en-IN" dirty="0"/>
               <a:t>("No of argument passed %d\n", </a:t>
             </a:r>
             <a:r>
-              <a:rPr lang="en-IN" dirty="0" err="1" smtClean="0"/>
+              <a:rPr lang="en-IN" dirty="0" err="1"/>
               <a:t>argc</a:t>
             </a:r>
             <a:r>
-              <a:rPr lang="en-IN" dirty="0" smtClean="0"/>
+              <a:rPr lang="en-IN" dirty="0"/>
               <a:t>);</a:t>
             </a:r>
           </a:p>
@@ -5478,30 +5353,30 @@
             <a:pPr marL="0" indent="0">
               <a:buNone/>
             </a:pPr>
-            <a:endParaRPr lang="en-IN" dirty="0" smtClean="0"/>
-          </a:p>
-          <a:p>
-            <a:pPr marL="0" indent="0">
-              <a:buNone/>
-            </a:pPr>
-            <a:r>
-              <a:rPr lang="en-IN" dirty="0" smtClean="0"/>
+            <a:endParaRPr lang="en-IN" dirty="0"/>
+          </a:p>
+          <a:p>
+            <a:pPr marL="0" indent="0">
+              <a:buNone/>
+            </a:pPr>
+            <a:r>
+              <a:rPr lang="en-IN" dirty="0"/>
               <a:t>   </a:t>
             </a:r>
             <a:r>
-              <a:rPr lang="en-IN" dirty="0" err="1" smtClean="0"/>
+              <a:rPr lang="en-IN" dirty="0" err="1"/>
               <a:t>printf</a:t>
             </a:r>
             <a:r>
-              <a:rPr lang="en-IN" dirty="0" smtClean="0"/>
+              <a:rPr lang="en-IN" dirty="0"/>
               <a:t>("Program name is: %s\n", </a:t>
             </a:r>
             <a:r>
-              <a:rPr lang="en-IN" dirty="0" err="1" smtClean="0"/>
+              <a:rPr lang="en-IN" dirty="0" err="1"/>
               <a:t>argv</a:t>
             </a:r>
             <a:r>
-              <a:rPr lang="en-IN" dirty="0" smtClean="0"/>
+              <a:rPr lang="en-IN" dirty="0"/>
               <a:t>[0]);</a:t>
             </a:r>
           </a:p>
@@ -5509,22 +5384,22 @@
             <a:pPr marL="0" indent="0">
               <a:buNone/>
             </a:pPr>
-            <a:endParaRPr lang="en-IN" dirty="0" smtClean="0"/>
-          </a:p>
-          <a:p>
-            <a:pPr marL="0" indent="0">
-              <a:buNone/>
-            </a:pPr>
-            <a:r>
-              <a:rPr lang="en-IN" dirty="0" smtClean="0"/>
+            <a:endParaRPr lang="en-IN" dirty="0"/>
+          </a:p>
+          <a:p>
+            <a:pPr marL="0" indent="0">
+              <a:buNone/>
+            </a:pPr>
+            <a:r>
+              <a:rPr lang="en-IN" dirty="0"/>
               <a:t>   if(</a:t>
             </a:r>
             <a:r>
-              <a:rPr lang="en-IN" dirty="0" err="1" smtClean="0"/>
+              <a:rPr lang="en-IN" dirty="0" err="1"/>
               <a:t>argc</a:t>
             </a:r>
             <a:r>
-              <a:rPr lang="en-IN" dirty="0" smtClean="0"/>
+              <a:rPr lang="en-IN" dirty="0"/>
               <a:t> &lt; 2){</a:t>
             </a:r>
           </a:p>
@@ -5533,15 +5408,15 @@
               <a:buNone/>
             </a:pPr>
             <a:r>
-              <a:rPr lang="en-IN" dirty="0" smtClean="0"/>
+              <a:rPr lang="en-IN" dirty="0"/>
               <a:t>      </a:t>
             </a:r>
             <a:r>
-              <a:rPr lang="en-IN" dirty="0" err="1" smtClean="0"/>
+              <a:rPr lang="en-IN" dirty="0" err="1"/>
               <a:t>printf</a:t>
             </a:r>
             <a:r>
-              <a:rPr lang="en-IN" dirty="0" smtClean="0"/>
+              <a:rPr lang="en-IN" dirty="0"/>
               <a:t>("No argument passed through command line.\n");</a:t>
             </a:r>
           </a:p>
@@ -5550,7 +5425,7 @@
               <a:buNone/>
             </a:pPr>
             <a:r>
-              <a:rPr lang="en-IN" dirty="0" smtClean="0"/>
+              <a:rPr lang="en-IN" dirty="0"/>
               <a:t>   }</a:t>
             </a:r>
           </a:p>
@@ -5559,7 +5434,7 @@
               <a:buNone/>
             </a:pPr>
             <a:r>
-              <a:rPr lang="en-IN" dirty="0" smtClean="0"/>
+              <a:rPr lang="en-IN" dirty="0"/>
               <a:t>   else{</a:t>
             </a:r>
           </a:p>
@@ -5568,31 +5443,31 @@
               <a:buNone/>
             </a:pPr>
             <a:r>
-              <a:rPr lang="en-IN" dirty="0" smtClean="0"/>
+              <a:rPr lang="en-IN" dirty="0"/>
               <a:t>      for (</a:t>
             </a:r>
             <a:r>
-              <a:rPr lang="en-IN" dirty="0" err="1" smtClean="0"/>
+              <a:rPr lang="en-IN" dirty="0" err="1"/>
               <a:t>i</a:t>
             </a:r>
             <a:r>
-              <a:rPr lang="en-IN" dirty="0" smtClean="0"/>
+              <a:rPr lang="en-IN" dirty="0"/>
               <a:t>=1; </a:t>
             </a:r>
             <a:r>
-              <a:rPr lang="en-IN" dirty="0" err="1" smtClean="0"/>
+              <a:rPr lang="en-IN" dirty="0" err="1"/>
               <a:t>i</a:t>
             </a:r>
             <a:r>
-              <a:rPr lang="en-IN" dirty="0" smtClean="0"/>
+              <a:rPr lang="en-IN" dirty="0"/>
               <a:t>&lt;</a:t>
             </a:r>
             <a:r>
-              <a:rPr lang="en-IN" dirty="0" err="1" smtClean="0"/>
+              <a:rPr lang="en-IN" dirty="0" err="1"/>
               <a:t>argc;i</a:t>
             </a:r>
             <a:r>
-              <a:rPr lang="en-IN" dirty="0" smtClean="0"/>
+              <a:rPr lang="en-IN" dirty="0"/>
               <a:t>++)</a:t>
             </a:r>
           </a:p>
@@ -5601,7 +5476,7 @@
               <a:buNone/>
             </a:pPr>
             <a:r>
-              <a:rPr lang="en-IN" dirty="0" smtClean="0"/>
+              <a:rPr lang="en-IN" dirty="0"/>
               <a:t>      {</a:t>
             </a:r>
           </a:p>
@@ -5610,31 +5485,31 @@
               <a:buNone/>
             </a:pPr>
             <a:r>
-              <a:rPr lang="en-IN" dirty="0" smtClean="0"/>
+              <a:rPr lang="en-IN" dirty="0"/>
               <a:t>        </a:t>
             </a:r>
             <a:r>
-              <a:rPr lang="en-IN" dirty="0" err="1" smtClean="0"/>
+              <a:rPr lang="en-IN" dirty="0" err="1"/>
               <a:t>printf</a:t>
             </a:r>
             <a:r>
-              <a:rPr lang="en-IN" dirty="0" smtClean="0"/>
+              <a:rPr lang="en-IN" dirty="0"/>
               <a:t>("First argument is: %s\n", </a:t>
             </a:r>
             <a:r>
-              <a:rPr lang="en-IN" dirty="0" err="1" smtClean="0"/>
+              <a:rPr lang="en-IN" dirty="0" err="1"/>
               <a:t>argv</a:t>
             </a:r>
             <a:r>
-              <a:rPr lang="en-IN" dirty="0" smtClean="0"/>
+              <a:rPr lang="en-IN" dirty="0"/>
               <a:t>[</a:t>
             </a:r>
             <a:r>
-              <a:rPr lang="en-IN" dirty="0" err="1" smtClean="0"/>
+              <a:rPr lang="en-IN" dirty="0" err="1"/>
               <a:t>i</a:t>
             </a:r>
             <a:r>
-              <a:rPr lang="en-IN" dirty="0" smtClean="0"/>
+              <a:rPr lang="en-IN" dirty="0"/>
               <a:t>]);</a:t>
             </a:r>
           </a:p>
@@ -5643,7 +5518,7 @@
               <a:buNone/>
             </a:pPr>
             <a:r>
-              <a:rPr lang="en-IN" dirty="0" smtClean="0"/>
+              <a:rPr lang="en-IN" dirty="0"/>
               <a:t>      }</a:t>
             </a:r>
           </a:p>
@@ -5652,7 +5527,7 @@
               <a:buNone/>
             </a:pPr>
             <a:r>
-              <a:rPr lang="en-IN" dirty="0" smtClean="0"/>
+              <a:rPr lang="en-IN" dirty="0"/>
               <a:t>   }</a:t>
             </a:r>
           </a:p>
@@ -5661,7 +5536,7 @@
               <a:buNone/>
             </a:pPr>
             <a:r>
-              <a:rPr lang="en-IN" dirty="0" smtClean="0"/>
+              <a:rPr lang="en-IN" dirty="0"/>
               <a:t>}</a:t>
             </a:r>
           </a:p>
@@ -5720,7 +5595,7 @@
           <a:lstStyle/>
           <a:p>
             <a:r>
-              <a:rPr lang="en-US" dirty="0" smtClean="0"/>
+              <a:rPr lang="en-US" dirty="0"/>
               <a:t>Example 2</a:t>
             </a:r>
             <a:endParaRPr lang="en-IN" dirty="0"/>
@@ -5753,29 +5628,25 @@
               <a:buNone/>
             </a:pPr>
             <a:r>
-              <a:rPr lang="en-US" dirty="0" smtClean="0"/>
-              <a:t>//to work with strings ,  input : </a:t>
-            </a:r>
-            <a:r>
-              <a:rPr lang="en-US" dirty="0" smtClean="0"/>
-              <a:t>“VIT UNIVERSITY”</a:t>
-            </a:r>
-            <a:endParaRPr lang="en-IN" dirty="0" smtClean="0"/>
-          </a:p>
-          <a:p>
-            <a:pPr marL="0" indent="0">
-              <a:buNone/>
-            </a:pPr>
-            <a:r>
-              <a:rPr lang="en-IN" dirty="0" smtClean="0"/>
+              <a:rPr lang="en-US" dirty="0"/>
+              <a:t>//to work with strings ,  input : “VIT UNIVERSITY”</a:t>
+            </a:r>
+            <a:endParaRPr lang="en-IN" dirty="0"/>
+          </a:p>
+          <a:p>
+            <a:pPr marL="0" indent="0">
+              <a:buNone/>
+            </a:pPr>
+            <a:r>
+              <a:rPr lang="en-IN" dirty="0"/>
               <a:t>#include &lt;</a:t>
             </a:r>
             <a:r>
-              <a:rPr lang="en-IN" dirty="0" err="1" smtClean="0"/>
+              <a:rPr lang="en-IN" dirty="0" err="1"/>
               <a:t>stdio.h</a:t>
             </a:r>
             <a:r>
-              <a:rPr lang="en-IN" dirty="0" smtClean="0"/>
+              <a:rPr lang="en-IN" dirty="0"/>
               <a:t>&gt;</a:t>
             </a:r>
           </a:p>
@@ -5784,31 +5655,31 @@
               <a:buNone/>
             </a:pPr>
             <a:r>
-              <a:rPr lang="en-IN" dirty="0" smtClean="0"/>
+              <a:rPr lang="en-IN" dirty="0"/>
               <a:t>void main(</a:t>
             </a:r>
             <a:r>
-              <a:rPr lang="en-IN" dirty="0" err="1" smtClean="0"/>
+              <a:rPr lang="en-IN" dirty="0" err="1"/>
               <a:t>int</a:t>
             </a:r>
             <a:r>
-              <a:rPr lang="en-IN" dirty="0" smtClean="0"/>
+              <a:rPr lang="en-IN" dirty="0"/>
               <a:t> </a:t>
             </a:r>
             <a:r>
-              <a:rPr lang="en-IN" dirty="0" err="1" smtClean="0"/>
+              <a:rPr lang="en-IN" dirty="0" err="1"/>
               <a:t>argc</a:t>
             </a:r>
             <a:r>
-              <a:rPr lang="en-IN" dirty="0" smtClean="0"/>
+              <a:rPr lang="en-IN" dirty="0"/>
               <a:t>, char *</a:t>
             </a:r>
             <a:r>
-              <a:rPr lang="en-IN" dirty="0" err="1" smtClean="0"/>
+              <a:rPr lang="en-IN" dirty="0" err="1"/>
               <a:t>argv</a:t>
             </a:r>
             <a:r>
-              <a:rPr lang="en-IN" dirty="0" smtClean="0"/>
+              <a:rPr lang="en-IN" dirty="0"/>
               <a:t>[] )  {</a:t>
             </a:r>
           </a:p>
@@ -5817,23 +5688,23 @@
               <a:buNone/>
             </a:pPr>
             <a:r>
-              <a:rPr lang="en-IN" dirty="0" smtClean="0"/>
+              <a:rPr lang="en-IN" dirty="0"/>
               <a:t>	</a:t>
             </a:r>
             <a:r>
-              <a:rPr lang="en-IN" dirty="0" err="1" smtClean="0"/>
+              <a:rPr lang="en-IN" dirty="0" err="1"/>
               <a:t>int</a:t>
             </a:r>
             <a:r>
-              <a:rPr lang="en-IN" dirty="0" smtClean="0"/>
+              <a:rPr lang="en-IN" dirty="0"/>
               <a:t> </a:t>
             </a:r>
             <a:r>
-              <a:rPr lang="en-IN" dirty="0" err="1" smtClean="0"/>
+              <a:rPr lang="en-IN" dirty="0" err="1"/>
               <a:t>i</a:t>
             </a:r>
             <a:r>
-              <a:rPr lang="en-IN" dirty="0" smtClean="0"/>
+              <a:rPr lang="en-IN" dirty="0"/>
               <a:t>;</a:t>
             </a:r>
           </a:p>
@@ -5842,23 +5713,23 @@
               <a:buNone/>
             </a:pPr>
             <a:r>
-              <a:rPr lang="en-IN" dirty="0" smtClean="0"/>
+              <a:rPr lang="en-IN" dirty="0"/>
               <a:t>   </a:t>
             </a:r>
             <a:r>
-              <a:rPr lang="en-IN" dirty="0" err="1" smtClean="0"/>
+              <a:rPr lang="en-IN" dirty="0" err="1"/>
               <a:t>printf</a:t>
             </a:r>
             <a:r>
-              <a:rPr lang="en-IN" dirty="0" smtClean="0"/>
+              <a:rPr lang="en-IN" dirty="0"/>
               <a:t>("No of argument passed %d\n", </a:t>
             </a:r>
             <a:r>
-              <a:rPr lang="en-IN" dirty="0" err="1" smtClean="0"/>
+              <a:rPr lang="en-IN" dirty="0" err="1"/>
               <a:t>argc</a:t>
             </a:r>
             <a:r>
-              <a:rPr lang="en-IN" dirty="0" smtClean="0"/>
+              <a:rPr lang="en-IN" dirty="0"/>
               <a:t>);</a:t>
             </a:r>
           </a:p>
@@ -5866,30 +5737,30 @@
             <a:pPr marL="0" indent="0">
               <a:buNone/>
             </a:pPr>
-            <a:endParaRPr lang="en-IN" dirty="0" smtClean="0"/>
-          </a:p>
-          <a:p>
-            <a:pPr marL="0" indent="0">
-              <a:buNone/>
-            </a:pPr>
-            <a:r>
-              <a:rPr lang="en-IN" dirty="0" smtClean="0"/>
+            <a:endParaRPr lang="en-IN" dirty="0"/>
+          </a:p>
+          <a:p>
+            <a:pPr marL="0" indent="0">
+              <a:buNone/>
+            </a:pPr>
+            <a:r>
+              <a:rPr lang="en-IN" dirty="0"/>
               <a:t>   </a:t>
             </a:r>
             <a:r>
-              <a:rPr lang="en-IN" dirty="0" err="1" smtClean="0"/>
+              <a:rPr lang="en-IN" dirty="0" err="1"/>
               <a:t>printf</a:t>
             </a:r>
             <a:r>
-              <a:rPr lang="en-IN" dirty="0" smtClean="0"/>
+              <a:rPr lang="en-IN" dirty="0"/>
               <a:t>("Program name is: %s\n", </a:t>
             </a:r>
             <a:r>
-              <a:rPr lang="en-IN" dirty="0" err="1" smtClean="0"/>
+              <a:rPr lang="en-IN" dirty="0" err="1"/>
               <a:t>argv</a:t>
             </a:r>
             <a:r>
-              <a:rPr lang="en-IN" dirty="0" smtClean="0"/>
+              <a:rPr lang="en-IN" dirty="0"/>
               <a:t>[0]);</a:t>
             </a:r>
           </a:p>
@@ -5897,22 +5768,22 @@
             <a:pPr marL="0" indent="0">
               <a:buNone/>
             </a:pPr>
-            <a:endParaRPr lang="en-IN" dirty="0" smtClean="0"/>
-          </a:p>
-          <a:p>
-            <a:pPr marL="0" indent="0">
-              <a:buNone/>
-            </a:pPr>
-            <a:r>
-              <a:rPr lang="en-IN" dirty="0" smtClean="0"/>
+            <a:endParaRPr lang="en-IN" dirty="0"/>
+          </a:p>
+          <a:p>
+            <a:pPr marL="0" indent="0">
+              <a:buNone/>
+            </a:pPr>
+            <a:r>
+              <a:rPr lang="en-IN" dirty="0"/>
               <a:t>   if(</a:t>
             </a:r>
             <a:r>
-              <a:rPr lang="en-IN" dirty="0" err="1" smtClean="0"/>
+              <a:rPr lang="en-IN" dirty="0" err="1"/>
               <a:t>argc</a:t>
             </a:r>
             <a:r>
-              <a:rPr lang="en-IN" dirty="0" smtClean="0"/>
+              <a:rPr lang="en-IN" dirty="0"/>
               <a:t> &lt; 2){</a:t>
             </a:r>
           </a:p>
@@ -5921,15 +5792,15 @@
               <a:buNone/>
             </a:pPr>
             <a:r>
-              <a:rPr lang="en-IN" dirty="0" smtClean="0"/>
+              <a:rPr lang="en-IN" dirty="0"/>
               <a:t>      </a:t>
             </a:r>
             <a:r>
-              <a:rPr lang="en-IN" dirty="0" err="1" smtClean="0"/>
+              <a:rPr lang="en-IN" dirty="0" err="1"/>
               <a:t>printf</a:t>
             </a:r>
             <a:r>
-              <a:rPr lang="en-IN" dirty="0" smtClean="0"/>
+              <a:rPr lang="en-IN" dirty="0"/>
               <a:t>("No argument passed through command line.\n");</a:t>
             </a:r>
           </a:p>
@@ -5938,7 +5809,7 @@
               <a:buNone/>
             </a:pPr>
             <a:r>
-              <a:rPr lang="en-IN" dirty="0" smtClean="0"/>
+              <a:rPr lang="en-IN" dirty="0"/>
               <a:t>   }</a:t>
             </a:r>
           </a:p>
@@ -5947,7 +5818,7 @@
               <a:buNone/>
             </a:pPr>
             <a:r>
-              <a:rPr lang="en-IN" dirty="0" smtClean="0"/>
+              <a:rPr lang="en-IN" dirty="0"/>
               <a:t>   else{</a:t>
             </a:r>
           </a:p>
@@ -5956,31 +5827,31 @@
               <a:buNone/>
             </a:pPr>
             <a:r>
-              <a:rPr lang="en-IN" dirty="0" smtClean="0"/>
+              <a:rPr lang="en-IN" dirty="0"/>
               <a:t>      for (</a:t>
             </a:r>
             <a:r>
-              <a:rPr lang="en-IN" dirty="0" err="1" smtClean="0"/>
+              <a:rPr lang="en-IN" dirty="0" err="1"/>
               <a:t>i</a:t>
             </a:r>
             <a:r>
-              <a:rPr lang="en-IN" dirty="0" smtClean="0"/>
+              <a:rPr lang="en-IN" dirty="0"/>
               <a:t>=1; </a:t>
             </a:r>
             <a:r>
-              <a:rPr lang="en-IN" dirty="0" err="1" smtClean="0"/>
+              <a:rPr lang="en-IN" dirty="0" err="1"/>
               <a:t>i</a:t>
             </a:r>
             <a:r>
-              <a:rPr lang="en-IN" dirty="0" smtClean="0"/>
+              <a:rPr lang="en-IN" dirty="0"/>
               <a:t>&lt;</a:t>
             </a:r>
             <a:r>
-              <a:rPr lang="en-IN" dirty="0" err="1" smtClean="0"/>
+              <a:rPr lang="en-IN" dirty="0" err="1"/>
               <a:t>argc;i</a:t>
             </a:r>
             <a:r>
-              <a:rPr lang="en-IN" dirty="0" smtClean="0"/>
+              <a:rPr lang="en-IN" dirty="0"/>
               <a:t>++)</a:t>
             </a:r>
           </a:p>
@@ -5989,7 +5860,7 @@
               <a:buNone/>
             </a:pPr>
             <a:r>
-              <a:rPr lang="en-IN" dirty="0" smtClean="0"/>
+              <a:rPr lang="en-IN" dirty="0"/>
               <a:t>      {</a:t>
             </a:r>
           </a:p>
@@ -5998,31 +5869,31 @@
               <a:buNone/>
             </a:pPr>
             <a:r>
-              <a:rPr lang="en-IN" dirty="0" smtClean="0"/>
+              <a:rPr lang="en-IN" dirty="0"/>
               <a:t>        </a:t>
             </a:r>
             <a:r>
-              <a:rPr lang="en-IN" dirty="0" err="1" smtClean="0"/>
+              <a:rPr lang="en-IN" dirty="0" err="1"/>
               <a:t>printf</a:t>
             </a:r>
             <a:r>
-              <a:rPr lang="en-IN" dirty="0" smtClean="0"/>
+              <a:rPr lang="en-IN" dirty="0"/>
               <a:t>("First argument is: %s\n", </a:t>
             </a:r>
             <a:r>
-              <a:rPr lang="en-IN" dirty="0" err="1" smtClean="0"/>
+              <a:rPr lang="en-IN" dirty="0" err="1"/>
               <a:t>argv</a:t>
             </a:r>
             <a:r>
-              <a:rPr lang="en-IN" dirty="0" smtClean="0"/>
+              <a:rPr lang="en-IN" dirty="0"/>
               <a:t>[</a:t>
             </a:r>
             <a:r>
-              <a:rPr lang="en-IN" dirty="0" err="1" smtClean="0"/>
+              <a:rPr lang="en-IN" dirty="0" err="1"/>
               <a:t>i</a:t>
             </a:r>
             <a:r>
-              <a:rPr lang="en-IN" dirty="0" smtClean="0"/>
+              <a:rPr lang="en-IN" dirty="0"/>
               <a:t>]);</a:t>
             </a:r>
           </a:p>
@@ -6031,7 +5902,7 @@
               <a:buNone/>
             </a:pPr>
             <a:r>
-              <a:rPr lang="en-IN" dirty="0" smtClean="0"/>
+              <a:rPr lang="en-IN" dirty="0"/>
               <a:t>      }</a:t>
             </a:r>
           </a:p>
@@ -6040,7 +5911,7 @@
               <a:buNone/>
             </a:pPr>
             <a:r>
-              <a:rPr lang="en-IN" dirty="0" smtClean="0"/>
+              <a:rPr lang="en-IN" dirty="0"/>
               <a:t>   }</a:t>
             </a:r>
           </a:p>
@@ -6049,7 +5920,7 @@
               <a:buNone/>
             </a:pPr>
             <a:r>
-              <a:rPr lang="en-IN" dirty="0" smtClean="0"/>
+              <a:rPr lang="en-IN" dirty="0"/>
               <a:t>}</a:t>
             </a:r>
           </a:p>
@@ -6111,7 +5982,7 @@
           <a:lstStyle/>
           <a:p>
             <a:r>
-              <a:rPr lang="en-US" dirty="0" smtClean="0"/>
+              <a:rPr lang="en-US" dirty="0"/>
               <a:t>Example 3</a:t>
             </a:r>
             <a:endParaRPr lang="en-IN" dirty="0"/>
@@ -6144,45 +6015,41 @@
               <a:buNone/>
             </a:pPr>
             <a:r>
-              <a:rPr lang="en-US" dirty="0" smtClean="0"/>
-              <a:t>//to work with integer, </a:t>
-            </a:r>
-            <a:r>
-              <a:rPr lang="en-US" dirty="0" smtClean="0"/>
-              <a:t>float, input:10(</a:t>
-            </a:r>
-            <a:r>
-              <a:rPr lang="en-US" dirty="0" err="1" smtClean="0"/>
+              <a:rPr lang="en-US" dirty="0"/>
+              <a:t>//to work with integer, float, input:10(</a:t>
+            </a:r>
+            <a:r>
+              <a:rPr lang="en-US" dirty="0" err="1"/>
               <a:t>withoutusing</a:t>
             </a:r>
             <a:r>
-              <a:rPr lang="en-US" dirty="0" smtClean="0"/>
+              <a:rPr lang="en-US" dirty="0"/>
               <a:t> </a:t>
             </a:r>
             <a:r>
-              <a:rPr lang="en-US" dirty="0" err="1" smtClean="0"/>
+              <a:rPr lang="en-US" dirty="0" err="1"/>
               <a:t>atoi</a:t>
             </a:r>
             <a:r>
-              <a:rPr lang="en-US" dirty="0" smtClean="0"/>
+              <a:rPr lang="en-US" dirty="0"/>
               <a:t>)</a:t>
             </a:r>
-            <a:endParaRPr lang="en-IN" dirty="0" smtClean="0"/>
-          </a:p>
-          <a:p>
-            <a:pPr marL="0" indent="0">
-              <a:buNone/>
-            </a:pPr>
-            <a:r>
-              <a:rPr lang="en-IN" dirty="0" smtClean="0"/>
+            <a:endParaRPr lang="en-IN" dirty="0"/>
+          </a:p>
+          <a:p>
+            <a:pPr marL="0" indent="0">
+              <a:buNone/>
+            </a:pPr>
+            <a:r>
+              <a:rPr lang="en-IN" dirty="0"/>
               <a:t>#include &lt;</a:t>
             </a:r>
             <a:r>
-              <a:rPr lang="en-IN" dirty="0" err="1" smtClean="0"/>
+              <a:rPr lang="en-IN" dirty="0" err="1"/>
               <a:t>stdio.h</a:t>
             </a:r>
             <a:r>
-              <a:rPr lang="en-IN" dirty="0" smtClean="0"/>
+              <a:rPr lang="en-IN" dirty="0"/>
               <a:t>&gt;</a:t>
             </a:r>
           </a:p>
@@ -6191,15 +6058,15 @@
               <a:buNone/>
             </a:pPr>
             <a:r>
-              <a:rPr lang="en-IN" dirty="0" smtClean="0"/>
+              <a:rPr lang="en-IN" dirty="0"/>
               <a:t>#include &lt;</a:t>
             </a:r>
             <a:r>
-              <a:rPr lang="en-IN" dirty="0" err="1" smtClean="0"/>
+              <a:rPr lang="en-IN" dirty="0" err="1"/>
               <a:t>stdlib.h</a:t>
             </a:r>
             <a:r>
-              <a:rPr lang="en-IN" dirty="0" smtClean="0"/>
+              <a:rPr lang="en-IN" dirty="0"/>
               <a:t>&gt;</a:t>
             </a:r>
           </a:p>
@@ -6208,35 +6075,35 @@
               <a:buNone/>
             </a:pPr>
             <a:r>
-              <a:rPr lang="en-IN" dirty="0" err="1" smtClean="0"/>
+              <a:rPr lang="en-IN" dirty="0" err="1"/>
               <a:t>int</a:t>
             </a:r>
             <a:r>
-              <a:rPr lang="en-IN" dirty="0" smtClean="0"/>
+              <a:rPr lang="en-IN" dirty="0"/>
               <a:t> main(</a:t>
             </a:r>
             <a:r>
-              <a:rPr lang="en-IN" dirty="0" err="1" smtClean="0"/>
+              <a:rPr lang="en-IN" dirty="0" err="1"/>
               <a:t>int</a:t>
             </a:r>
             <a:r>
-              <a:rPr lang="en-IN" dirty="0" smtClean="0"/>
+              <a:rPr lang="en-IN" dirty="0"/>
               <a:t> </a:t>
             </a:r>
             <a:r>
-              <a:rPr lang="en-IN" dirty="0" err="1" smtClean="0"/>
+              <a:rPr lang="en-IN" dirty="0" err="1"/>
               <a:t>argc</a:t>
             </a:r>
             <a:r>
-              <a:rPr lang="en-IN" dirty="0" smtClean="0"/>
+              <a:rPr lang="en-IN" dirty="0"/>
               <a:t>, char *</a:t>
             </a:r>
             <a:r>
-              <a:rPr lang="en-IN" dirty="0" err="1" smtClean="0"/>
+              <a:rPr lang="en-IN" dirty="0" err="1"/>
               <a:t>argv</a:t>
             </a:r>
             <a:r>
-              <a:rPr lang="en-IN" dirty="0" smtClean="0"/>
+              <a:rPr lang="en-IN" dirty="0"/>
               <a:t>[])</a:t>
             </a:r>
           </a:p>
@@ -6245,7 +6112,7 @@
               <a:buNone/>
             </a:pPr>
             <a:r>
-              <a:rPr lang="en-IN" dirty="0" smtClean="0"/>
+              <a:rPr lang="en-IN" dirty="0"/>
               <a:t>{</a:t>
             </a:r>
           </a:p>
@@ -6254,23 +6121,23 @@
               <a:buNone/>
             </a:pPr>
             <a:r>
-              <a:rPr lang="en-IN" dirty="0" smtClean="0"/>
+              <a:rPr lang="en-IN" dirty="0"/>
               <a:t>    </a:t>
             </a:r>
             <a:r>
-              <a:rPr lang="en-IN" dirty="0" err="1" smtClean="0"/>
+              <a:rPr lang="en-IN" dirty="0" err="1"/>
               <a:t>int</a:t>
             </a:r>
             <a:r>
-              <a:rPr lang="en-IN" dirty="0" smtClean="0"/>
+              <a:rPr lang="en-IN" dirty="0"/>
               <a:t> </a:t>
             </a:r>
             <a:r>
-              <a:rPr lang="en-IN" dirty="0" err="1" smtClean="0"/>
+              <a:rPr lang="en-IN" dirty="0" err="1"/>
               <a:t>num</a:t>
             </a:r>
             <a:r>
-              <a:rPr lang="en-IN" dirty="0" smtClean="0"/>
+              <a:rPr lang="en-IN" dirty="0"/>
               <a:t>;</a:t>
             </a:r>
           </a:p>
@@ -6279,31 +6146,31 @@
               <a:buNone/>
             </a:pPr>
             <a:r>
-              <a:rPr lang="en-IN" dirty="0" smtClean="0"/>
+              <a:rPr lang="en-IN" dirty="0"/>
               <a:t>    </a:t>
             </a:r>
             <a:r>
-              <a:rPr lang="en-IN" dirty="0" err="1" smtClean="0"/>
+              <a:rPr lang="en-IN" dirty="0" err="1"/>
               <a:t>num</a:t>
             </a:r>
             <a:r>
-              <a:rPr lang="en-IN" dirty="0" smtClean="0"/>
+              <a:rPr lang="en-IN" dirty="0"/>
               <a:t> = </a:t>
             </a:r>
             <a:r>
-              <a:rPr lang="en-IN" dirty="0" err="1" smtClean="0"/>
+              <a:rPr lang="en-IN" dirty="0" err="1"/>
               <a:t>atoi</a:t>
             </a:r>
             <a:r>
-              <a:rPr lang="en-IN" dirty="0" smtClean="0"/>
+              <a:rPr lang="en-IN" dirty="0"/>
               <a:t>(</a:t>
             </a:r>
             <a:r>
-              <a:rPr lang="en-IN" dirty="0" err="1" smtClean="0"/>
+              <a:rPr lang="en-IN" dirty="0" err="1"/>
               <a:t>argv</a:t>
             </a:r>
             <a:r>
-              <a:rPr lang="en-IN" dirty="0" smtClean="0"/>
+              <a:rPr lang="en-IN" dirty="0"/>
               <a:t>[1]);</a:t>
             </a:r>
           </a:p>
@@ -6312,15 +6179,15 @@
               <a:buNone/>
             </a:pPr>
             <a:r>
-              <a:rPr lang="en-IN" dirty="0" smtClean="0"/>
+              <a:rPr lang="en-IN" dirty="0"/>
               <a:t>    if(</a:t>
             </a:r>
             <a:r>
-              <a:rPr lang="en-IN" dirty="0" err="1" smtClean="0"/>
+              <a:rPr lang="en-IN" dirty="0" err="1"/>
               <a:t>num</a:t>
             </a:r>
             <a:r>
-              <a:rPr lang="en-IN" dirty="0" smtClean="0"/>
+              <a:rPr lang="en-IN" dirty="0"/>
               <a:t> % 2 == 0)</a:t>
             </a:r>
           </a:p>
@@ -6329,23 +6196,23 @@
               <a:buNone/>
             </a:pPr>
             <a:r>
-              <a:rPr lang="en-IN" dirty="0" smtClean="0"/>
+              <a:rPr lang="en-IN" dirty="0"/>
               <a:t>        </a:t>
             </a:r>
             <a:r>
-              <a:rPr lang="en-IN" dirty="0" err="1" smtClean="0"/>
+              <a:rPr lang="en-IN" dirty="0" err="1"/>
               <a:t>printf</a:t>
             </a:r>
             <a:r>
-              <a:rPr lang="en-IN" dirty="0" smtClean="0"/>
+              <a:rPr lang="en-IN" dirty="0"/>
               <a:t>("%d is Even",</a:t>
             </a:r>
             <a:r>
-              <a:rPr lang="en-IN" dirty="0" err="1" smtClean="0"/>
+              <a:rPr lang="en-IN" dirty="0" err="1"/>
               <a:t>num</a:t>
             </a:r>
             <a:r>
-              <a:rPr lang="en-IN" dirty="0" smtClean="0"/>
+              <a:rPr lang="en-IN" dirty="0"/>
               <a:t>);</a:t>
             </a:r>
           </a:p>
@@ -6354,7 +6221,7 @@
               <a:buNone/>
             </a:pPr>
             <a:r>
-              <a:rPr lang="en-IN" dirty="0" smtClean="0"/>
+              <a:rPr lang="en-IN" dirty="0"/>
               <a:t>    else</a:t>
             </a:r>
           </a:p>
@@ -6363,23 +6230,23 @@
               <a:buNone/>
             </a:pPr>
             <a:r>
-              <a:rPr lang="en-IN" dirty="0" smtClean="0"/>
+              <a:rPr lang="en-IN" dirty="0"/>
               <a:t>        </a:t>
             </a:r>
             <a:r>
-              <a:rPr lang="en-IN" dirty="0" err="1" smtClean="0"/>
+              <a:rPr lang="en-IN" dirty="0" err="1"/>
               <a:t>printf</a:t>
             </a:r>
             <a:r>
-              <a:rPr lang="en-IN" dirty="0" smtClean="0"/>
+              <a:rPr lang="en-IN" dirty="0"/>
               <a:t>("%d is Odd",</a:t>
             </a:r>
             <a:r>
-              <a:rPr lang="en-IN" dirty="0" err="1" smtClean="0"/>
+              <a:rPr lang="en-IN" dirty="0" err="1"/>
               <a:t>num</a:t>
             </a:r>
             <a:r>
-              <a:rPr lang="en-IN" dirty="0" smtClean="0"/>
+              <a:rPr lang="en-IN" dirty="0"/>
               <a:t>);</a:t>
             </a:r>
           </a:p>
@@ -6388,7 +6255,7 @@
               <a:buNone/>
             </a:pPr>
             <a:r>
-              <a:rPr lang="en-IN" dirty="0" smtClean="0"/>
+              <a:rPr lang="en-IN" dirty="0"/>
               <a:t>}</a:t>
             </a:r>
           </a:p>
@@ -6448,7 +6315,7 @@
           <a:lstStyle/>
           <a:p>
             <a:r>
-              <a:rPr lang="en-US" dirty="0" smtClean="0"/>
+              <a:rPr lang="en-US" dirty="0"/>
               <a:t>Area of circle</a:t>
             </a:r>
             <a:endParaRPr lang="en-IN" dirty="0"/>
@@ -6481,15 +6348,15 @@
               <a:buNone/>
             </a:pPr>
             <a:r>
-              <a:rPr lang="en-IN" dirty="0" smtClean="0"/>
+              <a:rPr lang="en-IN" dirty="0"/>
               <a:t>#include&lt;</a:t>
             </a:r>
             <a:r>
-              <a:rPr lang="en-IN" dirty="0" err="1" smtClean="0"/>
+              <a:rPr lang="en-IN" dirty="0" err="1"/>
               <a:t>stdio.h</a:t>
             </a:r>
             <a:r>
-              <a:rPr lang="en-IN" dirty="0" smtClean="0"/>
+              <a:rPr lang="en-IN" dirty="0"/>
               <a:t>&gt;</a:t>
             </a:r>
           </a:p>
@@ -6498,15 +6365,15 @@
               <a:buNone/>
             </a:pPr>
             <a:r>
-              <a:rPr lang="en-IN" dirty="0" smtClean="0"/>
+              <a:rPr lang="en-IN" dirty="0"/>
               <a:t>#include&lt;</a:t>
             </a:r>
             <a:r>
-              <a:rPr lang="en-IN" dirty="0" err="1" smtClean="0"/>
+              <a:rPr lang="en-IN" dirty="0" err="1"/>
               <a:t>stdlib.h</a:t>
             </a:r>
             <a:r>
-              <a:rPr lang="en-IN" dirty="0" smtClean="0"/>
+              <a:rPr lang="en-IN" dirty="0"/>
               <a:t>&gt;</a:t>
             </a:r>
           </a:p>
@@ -6515,35 +6382,35 @@
               <a:buNone/>
             </a:pPr>
             <a:r>
-              <a:rPr lang="en-IN" dirty="0" err="1" smtClean="0"/>
+              <a:rPr lang="en-IN" dirty="0" err="1"/>
               <a:t>int</a:t>
             </a:r>
             <a:r>
-              <a:rPr lang="en-IN" dirty="0" smtClean="0"/>
+              <a:rPr lang="en-IN" dirty="0"/>
               <a:t> main(</a:t>
             </a:r>
             <a:r>
-              <a:rPr lang="en-IN" dirty="0" err="1" smtClean="0"/>
+              <a:rPr lang="en-IN" dirty="0" err="1"/>
               <a:t>int</a:t>
             </a:r>
             <a:r>
-              <a:rPr lang="en-IN" dirty="0" smtClean="0"/>
+              <a:rPr lang="en-IN" dirty="0"/>
               <a:t> </a:t>
             </a:r>
             <a:r>
-              <a:rPr lang="en-IN" dirty="0" err="1" smtClean="0"/>
+              <a:rPr lang="en-IN" dirty="0" err="1"/>
               <a:t>argc</a:t>
             </a:r>
             <a:r>
-              <a:rPr lang="en-IN" dirty="0" smtClean="0"/>
+              <a:rPr lang="en-IN" dirty="0"/>
               <a:t>, char * </a:t>
             </a:r>
             <a:r>
-              <a:rPr lang="en-IN" dirty="0" err="1" smtClean="0"/>
+              <a:rPr lang="en-IN" dirty="0" err="1"/>
               <a:t>argv</a:t>
             </a:r>
             <a:r>
-              <a:rPr lang="en-IN" dirty="0" smtClean="0"/>
+              <a:rPr lang="en-IN" dirty="0"/>
               <a:t>[])</a:t>
             </a:r>
           </a:p>
@@ -6552,7 +6419,7 @@
               <a:buNone/>
             </a:pPr>
             <a:r>
-              <a:rPr lang="en-IN" dirty="0" smtClean="0"/>
+              <a:rPr lang="en-IN" dirty="0"/>
               <a:t>{</a:t>
             </a:r>
           </a:p>
@@ -6561,15 +6428,15 @@
               <a:buNone/>
             </a:pPr>
             <a:r>
-              <a:rPr lang="en-IN" dirty="0" smtClean="0"/>
+              <a:rPr lang="en-IN" dirty="0"/>
               <a:t> if(</a:t>
             </a:r>
             <a:r>
-              <a:rPr lang="en-IN" dirty="0" err="1" smtClean="0"/>
+              <a:rPr lang="en-IN" dirty="0" err="1"/>
               <a:t>argc</a:t>
             </a:r>
             <a:r>
-              <a:rPr lang="en-IN" dirty="0" smtClean="0"/>
+              <a:rPr lang="en-IN" dirty="0"/>
               <a:t>==1)</a:t>
             </a:r>
           </a:p>
@@ -6578,7 +6445,7 @@
               <a:buNone/>
             </a:pPr>
             <a:r>
-              <a:rPr lang="en-IN" dirty="0" smtClean="0"/>
+              <a:rPr lang="en-IN" dirty="0"/>
               <a:t> {</a:t>
             </a:r>
           </a:p>
@@ -6587,15 +6454,15 @@
               <a:buNone/>
             </a:pPr>
             <a:r>
-              <a:rPr lang="en-IN" dirty="0" smtClean="0"/>
+              <a:rPr lang="en-IN" dirty="0"/>
               <a:t> </a:t>
             </a:r>
             <a:r>
-              <a:rPr lang="en-IN" dirty="0" err="1" smtClean="0"/>
+              <a:rPr lang="en-IN" dirty="0" err="1"/>
               <a:t>printf</a:t>
             </a:r>
             <a:r>
-              <a:rPr lang="en-IN" dirty="0" smtClean="0"/>
+              <a:rPr lang="en-IN" dirty="0"/>
               <a:t>("No arguments");</a:t>
             </a:r>
           </a:p>
@@ -6604,7 +6471,7 @@
               <a:buNone/>
             </a:pPr>
             <a:r>
-              <a:rPr lang="en-IN" dirty="0" smtClean="0"/>
+              <a:rPr lang="en-IN" dirty="0"/>
               <a:t> return 0;</a:t>
             </a:r>
           </a:p>
@@ -6613,7 +6480,7 @@
               <a:buNone/>
             </a:pPr>
             <a:r>
-              <a:rPr lang="en-IN" dirty="0" smtClean="0"/>
+              <a:rPr lang="en-IN" dirty="0"/>
               <a:t> }</a:t>
             </a:r>
           </a:p>
@@ -6622,7 +6489,7 @@
               <a:buNone/>
             </a:pPr>
             <a:r>
-              <a:rPr lang="en-IN" dirty="0" smtClean="0"/>
+              <a:rPr lang="en-IN" dirty="0"/>
               <a:t> else</a:t>
             </a:r>
           </a:p>
@@ -6631,7 +6498,7 @@
               <a:buNone/>
             </a:pPr>
             <a:r>
-              <a:rPr lang="en-IN" dirty="0" smtClean="0"/>
+              <a:rPr lang="en-IN" dirty="0"/>
               <a:t> {</a:t>
             </a:r>
           </a:p>
@@ -6640,15 +6507,15 @@
               <a:buNone/>
             </a:pPr>
             <a:r>
-              <a:rPr lang="en-IN" dirty="0" smtClean="0"/>
+              <a:rPr lang="en-IN" dirty="0"/>
               <a:t> </a:t>
             </a:r>
             <a:r>
-              <a:rPr lang="en-IN" dirty="0" err="1" smtClean="0"/>
+              <a:rPr lang="en-IN" dirty="0" err="1"/>
               <a:t>int</a:t>
             </a:r>
             <a:r>
-              <a:rPr lang="en-IN" dirty="0" smtClean="0"/>
+              <a:rPr lang="en-IN" dirty="0"/>
               <a:t> radius;</a:t>
             </a:r>
           </a:p>
@@ -6657,7 +6524,7 @@
               <a:buNone/>
             </a:pPr>
             <a:r>
-              <a:rPr lang="en-IN" dirty="0" smtClean="0"/>
+              <a:rPr lang="en-IN" dirty="0"/>
               <a:t> float pi=3.14;</a:t>
             </a:r>
           </a:p>
@@ -6666,7 +6533,7 @@
               <a:buNone/>
             </a:pPr>
             <a:r>
-              <a:rPr lang="en-IN" dirty="0" smtClean="0"/>
+              <a:rPr lang="en-IN" dirty="0"/>
               <a:t> float area;</a:t>
             </a:r>
           </a:p>
@@ -6675,23 +6542,23 @@
               <a:buNone/>
             </a:pPr>
             <a:r>
-              <a:rPr lang="en-IN" dirty="0" smtClean="0"/>
+              <a:rPr lang="en-IN" dirty="0"/>
               <a:t> radius=</a:t>
             </a:r>
             <a:r>
-              <a:rPr lang="en-IN" dirty="0" err="1" smtClean="0"/>
+              <a:rPr lang="en-IN" dirty="0" err="1"/>
               <a:t>atoi</a:t>
             </a:r>
             <a:r>
-              <a:rPr lang="en-IN" dirty="0" smtClean="0"/>
+              <a:rPr lang="en-IN" dirty="0"/>
               <a:t>(</a:t>
             </a:r>
             <a:r>
-              <a:rPr lang="en-IN" dirty="0" err="1" smtClean="0"/>
+              <a:rPr lang="en-IN" dirty="0" err="1"/>
               <a:t>argv</a:t>
             </a:r>
             <a:r>
-              <a:rPr lang="en-IN" dirty="0" smtClean="0"/>
+              <a:rPr lang="en-IN" dirty="0"/>
               <a:t>[1]);</a:t>
             </a:r>
           </a:p>
@@ -6700,7 +6567,7 @@
               <a:buNone/>
             </a:pPr>
             <a:r>
-              <a:rPr lang="en-IN" dirty="0" smtClean="0"/>
+              <a:rPr lang="en-IN" dirty="0"/>
               <a:t> area=pi*radius*radius;</a:t>
             </a:r>
           </a:p>
@@ -6709,15 +6576,15 @@
               <a:buNone/>
             </a:pPr>
             <a:r>
-              <a:rPr lang="en-IN" dirty="0" smtClean="0"/>
+              <a:rPr lang="en-IN" dirty="0"/>
               <a:t> </a:t>
             </a:r>
             <a:r>
-              <a:rPr lang="en-IN" dirty="0" err="1" smtClean="0"/>
+              <a:rPr lang="en-IN" dirty="0" err="1"/>
               <a:t>printf</a:t>
             </a:r>
             <a:r>
-              <a:rPr lang="en-IN" dirty="0" smtClean="0"/>
+              <a:rPr lang="en-IN" dirty="0"/>
               <a:t>("%.2f",area);</a:t>
             </a:r>
           </a:p>
@@ -6726,7 +6593,7 @@
               <a:buNone/>
             </a:pPr>
             <a:r>
-              <a:rPr lang="en-IN" dirty="0" smtClean="0"/>
+              <a:rPr lang="en-IN" dirty="0"/>
               <a:t> return 0;</a:t>
             </a:r>
           </a:p>
@@ -6735,7 +6602,7 @@
               <a:buNone/>
             </a:pPr>
             <a:r>
-              <a:rPr lang="en-IN" dirty="0" smtClean="0"/>
+              <a:rPr lang="en-IN" dirty="0"/>
               <a:t> }</a:t>
             </a:r>
           </a:p>
@@ -6744,10 +6611,9 @@
               <a:buNone/>
             </a:pPr>
             <a:r>
-              <a:rPr lang="en-IN" dirty="0" smtClean="0"/>
+              <a:rPr lang="en-IN" dirty="0"/>
               <a:t>}</a:t>
             </a:r>
-            <a:endParaRPr lang="en-IN" dirty="0"/>
           </a:p>
         </p:txBody>
       </p:sp>
@@ -6804,7 +6670,7 @@
           <a:lstStyle/>
           <a:p>
             <a:r>
-              <a:rPr lang="en-US" dirty="0" smtClean="0"/>
+              <a:rPr lang="en-US" dirty="0"/>
               <a:t>String palindrome</a:t>
             </a:r>
             <a:endParaRPr lang="en-IN" dirty="0"/>
@@ -6837,15 +6703,15 @@
               <a:buNone/>
             </a:pPr>
             <a:r>
-              <a:rPr lang="en-IN" dirty="0" smtClean="0"/>
+              <a:rPr lang="en-IN" dirty="0"/>
               <a:t>#include &lt;</a:t>
             </a:r>
             <a:r>
-              <a:rPr lang="en-IN" dirty="0" err="1" smtClean="0"/>
+              <a:rPr lang="en-IN" dirty="0" err="1"/>
               <a:t>stdio.h</a:t>
             </a:r>
             <a:r>
-              <a:rPr lang="en-IN" dirty="0" smtClean="0"/>
+              <a:rPr lang="en-IN" dirty="0"/>
               <a:t>&gt;</a:t>
             </a:r>
           </a:p>
@@ -6854,15 +6720,15 @@
               <a:buNone/>
             </a:pPr>
             <a:r>
-              <a:rPr lang="en-IN" dirty="0" smtClean="0"/>
+              <a:rPr lang="en-IN" dirty="0"/>
               <a:t>#include &lt;</a:t>
             </a:r>
             <a:r>
-              <a:rPr lang="en-IN" dirty="0" err="1" smtClean="0"/>
+              <a:rPr lang="en-IN" dirty="0" err="1"/>
               <a:t>stdlib.h</a:t>
             </a:r>
             <a:r>
-              <a:rPr lang="en-IN" dirty="0" smtClean="0"/>
+              <a:rPr lang="en-IN" dirty="0"/>
               <a:t>&gt;</a:t>
             </a:r>
           </a:p>
@@ -6871,15 +6737,15 @@
               <a:buNone/>
             </a:pPr>
             <a:r>
-              <a:rPr lang="en-IN" dirty="0" smtClean="0"/>
+              <a:rPr lang="en-IN" dirty="0"/>
               <a:t>#include &lt;</a:t>
             </a:r>
             <a:r>
-              <a:rPr lang="en-IN" dirty="0" err="1" smtClean="0"/>
+              <a:rPr lang="en-IN" dirty="0" err="1"/>
               <a:t>string.h</a:t>
             </a:r>
             <a:r>
-              <a:rPr lang="en-IN" dirty="0" smtClean="0"/>
+              <a:rPr lang="en-IN" dirty="0"/>
               <a:t>&gt;</a:t>
             </a:r>
           </a:p>
@@ -6888,27 +6754,27 @@
               <a:buNone/>
             </a:pPr>
             <a:r>
-              <a:rPr lang="en-IN" dirty="0" err="1" smtClean="0"/>
+              <a:rPr lang="en-IN" dirty="0" err="1"/>
               <a:t>int</a:t>
             </a:r>
             <a:r>
-              <a:rPr lang="en-IN" dirty="0" smtClean="0"/>
+              <a:rPr lang="en-IN" dirty="0"/>
               <a:t> </a:t>
             </a:r>
             <a:r>
-              <a:rPr lang="en-IN" dirty="0" err="1" smtClean="0"/>
+              <a:rPr lang="en-IN" dirty="0" err="1"/>
               <a:t>isPalindrome</a:t>
             </a:r>
             <a:r>
-              <a:rPr lang="en-IN" dirty="0" smtClean="0"/>
+              <a:rPr lang="en-IN" dirty="0"/>
               <a:t>(char* </a:t>
             </a:r>
             <a:r>
-              <a:rPr lang="en-IN" dirty="0" err="1" smtClean="0"/>
+              <a:rPr lang="en-IN" dirty="0" err="1"/>
               <a:t>str</a:t>
             </a:r>
             <a:r>
-              <a:rPr lang="en-IN" dirty="0" smtClean="0"/>
+              <a:rPr lang="en-IN" dirty="0"/>
               <a:t>)</a:t>
             </a:r>
           </a:p>
@@ -6917,7 +6783,7 @@
               <a:buNone/>
             </a:pPr>
             <a:r>
-              <a:rPr lang="en-IN" dirty="0" smtClean="0"/>
+              <a:rPr lang="en-IN" dirty="0"/>
               <a:t>{</a:t>
             </a:r>
           </a:p>
@@ -6926,31 +6792,31 @@
               <a:buNone/>
             </a:pPr>
             <a:r>
-              <a:rPr lang="en-IN" dirty="0" smtClean="0"/>
+              <a:rPr lang="en-IN" dirty="0"/>
               <a:t>    </a:t>
             </a:r>
             <a:r>
-              <a:rPr lang="en-IN" dirty="0" err="1" smtClean="0"/>
+              <a:rPr lang="en-IN" dirty="0" err="1"/>
               <a:t>int</a:t>
             </a:r>
             <a:r>
-              <a:rPr lang="en-IN" dirty="0" smtClean="0"/>
+              <a:rPr lang="en-IN" dirty="0"/>
               <a:t> n = </a:t>
             </a:r>
             <a:r>
-              <a:rPr lang="en-IN" dirty="0" err="1" smtClean="0"/>
+              <a:rPr lang="en-IN" dirty="0" err="1"/>
               <a:t>strlen</a:t>
             </a:r>
             <a:r>
-              <a:rPr lang="en-IN" dirty="0" smtClean="0"/>
+              <a:rPr lang="en-IN" dirty="0"/>
               <a:t>(</a:t>
             </a:r>
             <a:r>
-              <a:rPr lang="en-IN" dirty="0" err="1" smtClean="0"/>
+              <a:rPr lang="en-IN" dirty="0" err="1"/>
               <a:t>str</a:t>
             </a:r>
             <a:r>
-              <a:rPr lang="en-IN" dirty="0" smtClean="0"/>
+              <a:rPr lang="en-IN" dirty="0"/>
               <a:t>);</a:t>
             </a:r>
           </a:p>
@@ -6959,23 +6825,23 @@
               <a:buNone/>
             </a:pPr>
             <a:r>
-              <a:rPr lang="en-IN" dirty="0" smtClean="0"/>
+              <a:rPr lang="en-IN" dirty="0"/>
               <a:t>    </a:t>
             </a:r>
             <a:r>
-              <a:rPr lang="en-IN" dirty="0" err="1" smtClean="0"/>
+              <a:rPr lang="en-IN" dirty="0" err="1"/>
               <a:t>int</a:t>
             </a:r>
             <a:r>
-              <a:rPr lang="en-IN" dirty="0" smtClean="0"/>
+              <a:rPr lang="en-IN" dirty="0"/>
               <a:t> </a:t>
             </a:r>
             <a:r>
-              <a:rPr lang="en-IN" dirty="0" err="1" smtClean="0"/>
+              <a:rPr lang="en-IN" dirty="0" err="1"/>
               <a:t>i</a:t>
             </a:r>
             <a:r>
-              <a:rPr lang="en-IN" dirty="0" smtClean="0"/>
+              <a:rPr lang="en-IN" dirty="0"/>
               <a:t>;</a:t>
             </a:r>
           </a:p>
@@ -6984,31 +6850,31 @@
               <a:buNone/>
             </a:pPr>
             <a:r>
-              <a:rPr lang="en-IN" dirty="0" smtClean="0"/>
+              <a:rPr lang="en-IN" dirty="0"/>
               <a:t>    for (</a:t>
             </a:r>
             <a:r>
-              <a:rPr lang="en-IN" dirty="0" err="1" smtClean="0"/>
+              <a:rPr lang="en-IN" dirty="0" err="1"/>
               <a:t>i</a:t>
             </a:r>
             <a:r>
-              <a:rPr lang="en-IN" dirty="0" smtClean="0"/>
+              <a:rPr lang="en-IN" dirty="0"/>
               <a:t> = 0; </a:t>
             </a:r>
             <a:r>
-              <a:rPr lang="en-IN" dirty="0" err="1" smtClean="0"/>
+              <a:rPr lang="en-IN" dirty="0" err="1"/>
               <a:t>i</a:t>
             </a:r>
             <a:r>
-              <a:rPr lang="en-IN" dirty="0" smtClean="0"/>
+              <a:rPr lang="en-IN" dirty="0"/>
               <a:t> &lt; n / 2; </a:t>
             </a:r>
             <a:r>
-              <a:rPr lang="en-IN" dirty="0" err="1" smtClean="0"/>
+              <a:rPr lang="en-IN" dirty="0" err="1"/>
               <a:t>i</a:t>
             </a:r>
             <a:r>
-              <a:rPr lang="en-IN" dirty="0" smtClean="0"/>
+              <a:rPr lang="en-IN" dirty="0"/>
               <a:t>++)</a:t>
             </a:r>
           </a:p>
@@ -7017,39 +6883,39 @@
               <a:buNone/>
             </a:pPr>
             <a:r>
-              <a:rPr lang="en-IN" dirty="0" smtClean="0"/>
+              <a:rPr lang="en-IN" dirty="0"/>
               <a:t>        if (</a:t>
             </a:r>
             <a:r>
-              <a:rPr lang="en-IN" dirty="0" err="1" smtClean="0"/>
+              <a:rPr lang="en-IN" dirty="0" err="1"/>
               <a:t>str</a:t>
             </a:r>
             <a:r>
-              <a:rPr lang="en-IN" dirty="0" smtClean="0"/>
+              <a:rPr lang="en-IN" dirty="0"/>
               <a:t>[</a:t>
             </a:r>
             <a:r>
-              <a:rPr lang="en-IN" dirty="0" err="1" smtClean="0"/>
+              <a:rPr lang="en-IN" dirty="0" err="1"/>
               <a:t>i</a:t>
             </a:r>
             <a:r>
-              <a:rPr lang="en-IN" dirty="0" smtClean="0"/>
+              <a:rPr lang="en-IN" dirty="0"/>
               <a:t>] != </a:t>
             </a:r>
             <a:r>
-              <a:rPr lang="en-IN" dirty="0" err="1" smtClean="0"/>
+              <a:rPr lang="en-IN" dirty="0" err="1"/>
               <a:t>str</a:t>
             </a:r>
             <a:r>
-              <a:rPr lang="en-IN" dirty="0" smtClean="0"/>
+              <a:rPr lang="en-IN" dirty="0"/>
               <a:t>[n - </a:t>
             </a:r>
             <a:r>
-              <a:rPr lang="en-IN" dirty="0" err="1" smtClean="0"/>
+              <a:rPr lang="en-IN" dirty="0" err="1"/>
               <a:t>i</a:t>
             </a:r>
             <a:r>
-              <a:rPr lang="en-IN" dirty="0" smtClean="0"/>
+              <a:rPr lang="en-IN" dirty="0"/>
               <a:t> - 1])</a:t>
             </a:r>
           </a:p>
@@ -7058,7 +6924,7 @@
               <a:buNone/>
             </a:pPr>
             <a:r>
-              <a:rPr lang="en-IN" dirty="0" smtClean="0"/>
+              <a:rPr lang="en-IN" dirty="0"/>
               <a:t>            return 0;</a:t>
             </a:r>
           </a:p>
@@ -7067,7 +6933,7 @@
               <a:buNone/>
             </a:pPr>
             <a:r>
-              <a:rPr lang="en-IN" dirty="0" smtClean="0"/>
+              <a:rPr lang="en-IN" dirty="0"/>
               <a:t>    return 1;</a:t>
             </a:r>
           </a:p>
@@ -7076,7 +6942,7 @@
               <a:buNone/>
             </a:pPr>
             <a:r>
-              <a:rPr lang="en-IN" dirty="0" smtClean="0"/>
+              <a:rPr lang="en-IN" dirty="0"/>
               <a:t>}</a:t>
             </a:r>
           </a:p>
@@ -7085,35 +6951,35 @@
               <a:buNone/>
             </a:pPr>
             <a:r>
-              <a:rPr lang="en-IN" dirty="0" err="1" smtClean="0"/>
+              <a:rPr lang="en-IN" dirty="0" err="1"/>
               <a:t>int</a:t>
             </a:r>
             <a:r>
-              <a:rPr lang="en-IN" dirty="0" smtClean="0"/>
+              <a:rPr lang="en-IN" dirty="0"/>
               <a:t> main(</a:t>
             </a:r>
             <a:r>
-              <a:rPr lang="en-IN" dirty="0" err="1" smtClean="0"/>
+              <a:rPr lang="en-IN" dirty="0" err="1"/>
               <a:t>int</a:t>
             </a:r>
             <a:r>
-              <a:rPr lang="en-IN" dirty="0" smtClean="0"/>
+              <a:rPr lang="en-IN" dirty="0"/>
               <a:t> </a:t>
             </a:r>
             <a:r>
-              <a:rPr lang="en-IN" dirty="0" err="1" smtClean="0"/>
+              <a:rPr lang="en-IN" dirty="0" err="1"/>
               <a:t>argc</a:t>
             </a:r>
             <a:r>
-              <a:rPr lang="en-IN" dirty="0" smtClean="0"/>
+              <a:rPr lang="en-IN" dirty="0"/>
               <a:t>, char* </a:t>
             </a:r>
             <a:r>
-              <a:rPr lang="en-IN" dirty="0" err="1" smtClean="0"/>
+              <a:rPr lang="en-IN" dirty="0" err="1"/>
               <a:t>argv</a:t>
             </a:r>
             <a:r>
-              <a:rPr lang="en-IN" dirty="0" smtClean="0"/>
+              <a:rPr lang="en-IN" dirty="0"/>
               <a:t>[])</a:t>
             </a:r>
           </a:p>
@@ -7122,7 +6988,7 @@
               <a:buNone/>
             </a:pPr>
             <a:r>
-              <a:rPr lang="en-IN" dirty="0" smtClean="0"/>
+              <a:rPr lang="en-IN" dirty="0"/>
               <a:t>{</a:t>
             </a:r>
           </a:p>
@@ -7130,22 +6996,22 @@
             <a:pPr marL="0" indent="0">
               <a:buNone/>
             </a:pPr>
-            <a:endParaRPr lang="en-IN" dirty="0" smtClean="0"/>
-          </a:p>
-          <a:p>
-            <a:pPr marL="0" indent="0">
-              <a:buNone/>
-            </a:pPr>
-            <a:r>
-              <a:rPr lang="en-IN" dirty="0" smtClean="0"/>
+            <a:endParaRPr lang="en-IN" dirty="0"/>
+          </a:p>
+          <a:p>
+            <a:pPr marL="0" indent="0">
+              <a:buNone/>
+            </a:pPr>
+            <a:r>
+              <a:rPr lang="en-IN" dirty="0"/>
               <a:t>    </a:t>
             </a:r>
             <a:r>
-              <a:rPr lang="en-IN" dirty="0" err="1" smtClean="0"/>
+              <a:rPr lang="en-IN" dirty="0" err="1"/>
               <a:t>int</a:t>
             </a:r>
             <a:r>
-              <a:rPr lang="en-IN" dirty="0" smtClean="0"/>
+              <a:rPr lang="en-IN" dirty="0"/>
               <a:t> res = 0;</a:t>
             </a:r>
           </a:p>
@@ -7154,15 +7020,15 @@
               <a:buNone/>
             </a:pPr>
             <a:r>
-              <a:rPr lang="en-IN" dirty="0" smtClean="0"/>
+              <a:rPr lang="en-IN" dirty="0"/>
               <a:t>    if (</a:t>
             </a:r>
             <a:r>
-              <a:rPr lang="en-IN" dirty="0" err="1" smtClean="0"/>
+              <a:rPr lang="en-IN" dirty="0" err="1"/>
               <a:t>argc</a:t>
             </a:r>
             <a:r>
-              <a:rPr lang="en-IN" dirty="0" smtClean="0"/>
+              <a:rPr lang="en-IN" dirty="0"/>
               <a:t> == 1)</a:t>
             </a:r>
           </a:p>
@@ -7171,15 +7037,15 @@
               <a:buNone/>
             </a:pPr>
             <a:r>
-              <a:rPr lang="en-IN" dirty="0" smtClean="0"/>
+              <a:rPr lang="en-IN" dirty="0"/>
               <a:t>        </a:t>
             </a:r>
             <a:r>
-              <a:rPr lang="en-IN" dirty="0" err="1" smtClean="0"/>
+              <a:rPr lang="en-IN" dirty="0" err="1"/>
               <a:t>printf</a:t>
             </a:r>
             <a:r>
-              <a:rPr lang="en-IN" dirty="0" smtClean="0"/>
+              <a:rPr lang="en-IN" dirty="0"/>
               <a:t>("No command line arguments found.\n");</a:t>
             </a:r>
           </a:p>
@@ -7188,7 +7054,7 @@
               <a:buNone/>
             </a:pPr>
             <a:r>
-              <a:rPr lang="en-IN" dirty="0" smtClean="0"/>
+              <a:rPr lang="en-IN" dirty="0"/>
               <a:t>      else {</a:t>
             </a:r>
           </a:p>
@@ -7197,23 +7063,23 @@
               <a:buNone/>
             </a:pPr>
             <a:r>
-              <a:rPr lang="en-IN" dirty="0" smtClean="0"/>
+              <a:rPr lang="en-IN" dirty="0"/>
               <a:t>        res = </a:t>
             </a:r>
             <a:r>
-              <a:rPr lang="en-IN" dirty="0" err="1" smtClean="0"/>
+              <a:rPr lang="en-IN" dirty="0" err="1"/>
               <a:t>isPalindrome</a:t>
             </a:r>
             <a:r>
-              <a:rPr lang="en-IN" dirty="0" smtClean="0"/>
+              <a:rPr lang="en-IN" dirty="0"/>
               <a:t>(</a:t>
             </a:r>
             <a:r>
-              <a:rPr lang="en-IN" dirty="0" err="1" smtClean="0"/>
+              <a:rPr lang="en-IN" dirty="0" err="1"/>
               <a:t>argv</a:t>
             </a:r>
             <a:r>
-              <a:rPr lang="en-IN" dirty="0" smtClean="0"/>
+              <a:rPr lang="en-IN" dirty="0"/>
               <a:t>[1]);</a:t>
             </a:r>
           </a:p>
@@ -7222,7 +7088,7 @@
               <a:buNone/>
             </a:pPr>
             <a:r>
-              <a:rPr lang="en-IN" dirty="0" smtClean="0"/>
+              <a:rPr lang="en-IN" dirty="0"/>
               <a:t>        if (res == 0)</a:t>
             </a:r>
           </a:p>
@@ -7231,15 +7097,15 @@
               <a:buNone/>
             </a:pPr>
             <a:r>
-              <a:rPr lang="en-IN" dirty="0" smtClean="0"/>
+              <a:rPr lang="en-IN" dirty="0"/>
               <a:t>           </a:t>
             </a:r>
             <a:r>
-              <a:rPr lang="en-IN" dirty="0" err="1" smtClean="0"/>
+              <a:rPr lang="en-IN" dirty="0" err="1"/>
               <a:t>printf</a:t>
             </a:r>
             <a:r>
-              <a:rPr lang="en-IN" dirty="0" smtClean="0"/>
+              <a:rPr lang="en-IN" dirty="0"/>
               <a:t>("No\n");</a:t>
             </a:r>
           </a:p>
@@ -7248,7 +7114,7 @@
               <a:buNone/>
             </a:pPr>
             <a:r>
-              <a:rPr lang="en-IN" dirty="0" smtClean="0"/>
+              <a:rPr lang="en-IN" dirty="0"/>
               <a:t>        else</a:t>
             </a:r>
           </a:p>
@@ -7257,15 +7123,15 @@
               <a:buNone/>
             </a:pPr>
             <a:r>
-              <a:rPr lang="en-IN" dirty="0" smtClean="0"/>
+              <a:rPr lang="en-IN" dirty="0"/>
               <a:t>           </a:t>
             </a:r>
             <a:r>
-              <a:rPr lang="en-IN" dirty="0" err="1" smtClean="0"/>
+              <a:rPr lang="en-IN" dirty="0" err="1"/>
               <a:t>printf</a:t>
             </a:r>
             <a:r>
-              <a:rPr lang="en-IN" dirty="0" smtClean="0"/>
+              <a:rPr lang="en-IN" dirty="0"/>
               <a:t>("Yes\n");</a:t>
             </a:r>
           </a:p>
@@ -7274,7 +7140,7 @@
               <a:buNone/>
             </a:pPr>
             <a:r>
-              <a:rPr lang="en-IN" dirty="0" smtClean="0"/>
+              <a:rPr lang="en-IN" dirty="0"/>
               <a:t>    }</a:t>
             </a:r>
           </a:p>
@@ -7283,7 +7149,7 @@
               <a:buNone/>
             </a:pPr>
             <a:r>
-              <a:rPr lang="en-IN" dirty="0" smtClean="0"/>
+              <a:rPr lang="en-IN" dirty="0"/>
               <a:t>    return 0;</a:t>
             </a:r>
           </a:p>
@@ -7292,7 +7158,7 @@
               <a:buNone/>
             </a:pPr>
             <a:r>
-              <a:rPr lang="en-IN" dirty="0" smtClean="0"/>
+              <a:rPr lang="en-IN" dirty="0"/>
               <a:t>}</a:t>
             </a:r>
           </a:p>
@@ -7350,11 +7216,7 @@
           <a:p>
             <a:r>
               <a:rPr lang="en-US" dirty="0"/>
-              <a:t>Environment </a:t>
-            </a:r>
-            <a:r>
-              <a:rPr lang="en-US" dirty="0" smtClean="0"/>
-              <a:t>Variables</a:t>
+              <a:t>Environment Variables</a:t>
             </a:r>
             <a:endParaRPr lang="en-IN" dirty="0"/>
           </a:p>

--- a/CSE2010 Advanced C programming/Reference Materials/22_1_command line arguments, Environmental variables, Type qualifiers, Debugging.pptx
+++ b/CSE2010 Advanced C programming/Reference Materials/22_1_command line arguments, Environmental variables, Type qualifiers, Debugging.pptx
@@ -318,7 +318,7 @@
           <a:p>
             <a:fld id="{02943396-0356-46F5-A8EE-5F67E8192C0C}" type="datetimeFigureOut">
               <a:rPr lang="en-IN" smtClean="0"/>
-              <a:t>01-06-2021</a:t>
+              <a:t>09-06-2021</a:t>
             </a:fld>
             <a:endParaRPr lang="en-IN"/>
           </a:p>
@@ -488,7 +488,7 @@
           <a:p>
             <a:fld id="{02943396-0356-46F5-A8EE-5F67E8192C0C}" type="datetimeFigureOut">
               <a:rPr lang="en-IN" smtClean="0"/>
-              <a:t>01-06-2021</a:t>
+              <a:t>09-06-2021</a:t>
             </a:fld>
             <a:endParaRPr lang="en-IN"/>
           </a:p>
@@ -668,7 +668,7 @@
           <a:p>
             <a:fld id="{02943396-0356-46F5-A8EE-5F67E8192C0C}" type="datetimeFigureOut">
               <a:rPr lang="en-IN" smtClean="0"/>
-              <a:t>01-06-2021</a:t>
+              <a:t>09-06-2021</a:t>
             </a:fld>
             <a:endParaRPr lang="en-IN"/>
           </a:p>
@@ -838,7 +838,7 @@
           <a:p>
             <a:fld id="{02943396-0356-46F5-A8EE-5F67E8192C0C}" type="datetimeFigureOut">
               <a:rPr lang="en-IN" smtClean="0"/>
-              <a:t>01-06-2021</a:t>
+              <a:t>09-06-2021</a:t>
             </a:fld>
             <a:endParaRPr lang="en-IN"/>
           </a:p>
@@ -1084,7 +1084,7 @@
           <a:p>
             <a:fld id="{02943396-0356-46F5-A8EE-5F67E8192C0C}" type="datetimeFigureOut">
               <a:rPr lang="en-IN" smtClean="0"/>
-              <a:t>01-06-2021</a:t>
+              <a:t>09-06-2021</a:t>
             </a:fld>
             <a:endParaRPr lang="en-IN"/>
           </a:p>
@@ -1372,7 +1372,7 @@
           <a:p>
             <a:fld id="{02943396-0356-46F5-A8EE-5F67E8192C0C}" type="datetimeFigureOut">
               <a:rPr lang="en-IN" smtClean="0"/>
-              <a:t>01-06-2021</a:t>
+              <a:t>09-06-2021</a:t>
             </a:fld>
             <a:endParaRPr lang="en-IN"/>
           </a:p>
@@ -1794,7 +1794,7 @@
           <a:p>
             <a:fld id="{02943396-0356-46F5-A8EE-5F67E8192C0C}" type="datetimeFigureOut">
               <a:rPr lang="en-IN" smtClean="0"/>
-              <a:t>01-06-2021</a:t>
+              <a:t>09-06-2021</a:t>
             </a:fld>
             <a:endParaRPr lang="en-IN"/>
           </a:p>
@@ -1912,7 +1912,7 @@
           <a:p>
             <a:fld id="{02943396-0356-46F5-A8EE-5F67E8192C0C}" type="datetimeFigureOut">
               <a:rPr lang="en-IN" smtClean="0"/>
-              <a:t>01-06-2021</a:t>
+              <a:t>09-06-2021</a:t>
             </a:fld>
             <a:endParaRPr lang="en-IN"/>
           </a:p>
@@ -2007,7 +2007,7 @@
           <a:p>
             <a:fld id="{02943396-0356-46F5-A8EE-5F67E8192C0C}" type="datetimeFigureOut">
               <a:rPr lang="en-IN" smtClean="0"/>
-              <a:t>01-06-2021</a:t>
+              <a:t>09-06-2021</a:t>
             </a:fld>
             <a:endParaRPr lang="en-IN"/>
           </a:p>
@@ -2284,7 +2284,7 @@
           <a:p>
             <a:fld id="{02943396-0356-46F5-A8EE-5F67E8192C0C}" type="datetimeFigureOut">
               <a:rPr lang="en-IN" smtClean="0"/>
-              <a:t>01-06-2021</a:t>
+              <a:t>09-06-2021</a:t>
             </a:fld>
             <a:endParaRPr lang="en-IN"/>
           </a:p>
@@ -2537,7 +2537,7 @@
           <a:p>
             <a:fld id="{02943396-0356-46F5-A8EE-5F67E8192C0C}" type="datetimeFigureOut">
               <a:rPr lang="en-IN" smtClean="0"/>
-              <a:t>01-06-2021</a:t>
+              <a:t>09-06-2021</a:t>
             </a:fld>
             <a:endParaRPr lang="en-IN"/>
           </a:p>
@@ -2750,7 +2750,7 @@
           <a:p>
             <a:fld id="{02943396-0356-46F5-A8EE-5F67E8192C0C}" type="datetimeFigureOut">
               <a:rPr lang="en-IN" smtClean="0"/>
-              <a:t>01-06-2021</a:t>
+              <a:t>09-06-2021</a:t>
             </a:fld>
             <a:endParaRPr lang="en-IN"/>
           </a:p>
@@ -5614,8 +5614,8 @@
         </p:nvSpPr>
         <p:spPr>
           <a:xfrm>
-            <a:off x="676573" y="1052736"/>
-            <a:ext cx="8435280" cy="5472608"/>
+            <a:off x="0" y="1052736"/>
+            <a:ext cx="9111853" cy="5112568"/>
           </a:xfrm>
         </p:spPr>
         <p:txBody>
